--- a/spring cloud.pptx
+++ b/spring cloud.pptx
@@ -5,10 +5,10 @@
     <p:sldMasterId id="2147483648" r:id="rId1"/>
   </p:sldMasterIdLst>
   <p:notesMasterIdLst>
-    <p:notesMasterId r:id="rId11"/>
+    <p:notesMasterId r:id="rId15"/>
   </p:notesMasterIdLst>
   <p:handoutMasterIdLst>
-    <p:handoutMasterId r:id="rId12"/>
+    <p:handoutMasterId r:id="rId16"/>
   </p:handoutMasterIdLst>
   <p:sldIdLst>
     <p:sldId id="361" r:id="rId2"/>
@@ -19,7 +19,11 @@
     <p:sldId id="423" r:id="rId7"/>
     <p:sldId id="424" r:id="rId8"/>
     <p:sldId id="425" r:id="rId9"/>
-    <p:sldId id="337" r:id="rId10"/>
+    <p:sldId id="426" r:id="rId10"/>
+    <p:sldId id="427" r:id="rId11"/>
+    <p:sldId id="428" r:id="rId12"/>
+    <p:sldId id="429" r:id="rId13"/>
+    <p:sldId id="337" r:id="rId14"/>
   </p:sldIdLst>
   <p:sldSz cx="9144000" cy="5143500" type="screen16x9"/>
   <p:notesSz cx="6858000" cy="9144000"/>
@@ -226,7 +230,7 @@
             <a:fld id="{20E53DC8-DAD0-4A1C-B5C0-5CE64ABB4D0F}" type="datetimeFigureOut">
               <a:rPr lang="zh-CN" altLang="en-US" smtClean="0"/>
               <a:pPr/>
-              <a:t>2018/2/27</a:t>
+              <a:t>2018/3/1</a:t>
             </a:fld>
             <a:endParaRPr lang="zh-CN" altLang="en-US"/>
           </a:p>
@@ -394,7 +398,7 @@
             <a:fld id="{682F6169-4947-4F90-A15B-728F978B4358}" type="datetimeFigureOut">
               <a:rPr lang="zh-CN" altLang="en-US" smtClean="0"/>
               <a:pPr/>
-              <a:t>2018/2/27</a:t>
+              <a:t>2018/3/1</a:t>
             </a:fld>
             <a:endParaRPr lang="zh-CN" altLang="en-US"/>
           </a:p>
@@ -3789,6 +3793,1050 @@
 </p:sld>
 </file>
 
+<file path=ppt/slides/slide10.xml><?xml version="1.0" encoding="utf-8"?>
+<p:sld xmlns:a="http://schemas.openxmlformats.org/drawingml/2006/main" xmlns:r="http://schemas.openxmlformats.org/officeDocument/2006/relationships" xmlns:p="http://schemas.openxmlformats.org/presentationml/2006/main">
+  <p:cSld>
+    <p:spTree>
+      <p:nvGrpSpPr>
+        <p:cNvPr id="1" name=""/>
+        <p:cNvGrpSpPr/>
+        <p:nvPr/>
+      </p:nvGrpSpPr>
+      <p:grpSpPr>
+        <a:xfrm>
+          <a:off x="0" y="0"/>
+          <a:ext cx="0" cy="0"/>
+          <a:chOff x="0" y="0"/>
+          <a:chExt cx="0" cy="0"/>
+        </a:xfrm>
+      </p:grpSpPr>
+      <p:sp>
+        <p:nvSpPr>
+          <p:cNvPr id="4" name="日期占位符 3"/>
+          <p:cNvSpPr>
+            <a:spLocks noGrp="1"/>
+          </p:cNvSpPr>
+          <p:nvPr>
+            <p:ph type="dt" sz="half" idx="10"/>
+          </p:nvPr>
+        </p:nvSpPr>
+        <p:spPr/>
+        <p:txBody>
+          <a:bodyPr/>
+          <a:lstStyle/>
+          <a:p>
+            <a:r>
+              <a:rPr lang="en-US" altLang="zh-CN"/>
+              <a:t>© Pactera. Confidential. All Rights Reserved. </a:t>
+            </a:r>
+            <a:endParaRPr lang="zh-CN" altLang="en-US"/>
+          </a:p>
+        </p:txBody>
+      </p:sp>
+      <p:sp>
+        <p:nvSpPr>
+          <p:cNvPr id="5" name="幻灯片编号占位符 4"/>
+          <p:cNvSpPr>
+            <a:spLocks noGrp="1"/>
+          </p:cNvSpPr>
+          <p:nvPr>
+            <p:ph type="sldNum" sz="quarter" idx="12"/>
+          </p:nvPr>
+        </p:nvSpPr>
+        <p:spPr/>
+        <p:txBody>
+          <a:bodyPr/>
+          <a:lstStyle/>
+          <a:p>
+            <a:fld id="{8810F394-C716-49D3-8450-D4BAA85FC0FF}" type="slidenum">
+              <a:rPr lang="zh-CN" altLang="en-US" smtClean="0"/>
+              <a:pPr/>
+              <a:t>10</a:t>
+            </a:fld>
+            <a:endParaRPr lang="zh-CN" altLang="en-US" dirty="0"/>
+          </a:p>
+        </p:txBody>
+      </p:sp>
+      <p:sp>
+        <p:nvSpPr>
+          <p:cNvPr id="6" name="标题 1"/>
+          <p:cNvSpPr>
+            <a:spLocks noGrp="1"/>
+          </p:cNvSpPr>
+          <p:nvPr>
+            <p:ph type="title"/>
+          </p:nvPr>
+        </p:nvSpPr>
+        <p:spPr>
+          <a:xfrm>
+            <a:off x="548582" y="141480"/>
+            <a:ext cx="8229600" cy="324036"/>
+          </a:xfrm>
+        </p:spPr>
+        <p:txBody>
+          <a:bodyPr vert="horz" lIns="73975" tIns="36987" rIns="73975" bIns="36987" rtlCol="0" anchor="ctr">
+            <a:noAutofit/>
+          </a:bodyPr>
+          <a:lstStyle/>
+          <a:p>
+            <a:pPr lvl="0"/>
+            <a:r>
+              <a:rPr lang="en-US" altLang="zh-CN" sz="2000" b="1" dirty="0" smtClean="0">
+                <a:solidFill>
+                  <a:schemeClr val="accent1"/>
+                </a:solidFill>
+              </a:rPr>
+              <a:t>Spring Cloud – </a:t>
+            </a:r>
+            <a:r>
+              <a:rPr lang="en-US" altLang="zh-CN" sz="2000" b="1" dirty="0" err="1" smtClean="0">
+                <a:solidFill>
+                  <a:schemeClr val="accent1"/>
+                </a:solidFill>
+              </a:rPr>
+              <a:t>zuul</a:t>
+            </a:r>
+            <a:endParaRPr lang="zh-CN" altLang="en-US" sz="2000" b="1" dirty="0">
+              <a:solidFill>
+                <a:schemeClr val="accent1"/>
+              </a:solidFill>
+            </a:endParaRPr>
+          </a:p>
+        </p:txBody>
+      </p:sp>
+      <p:sp>
+        <p:nvSpPr>
+          <p:cNvPr id="60" name="Content Placeholder 3"/>
+          <p:cNvSpPr txBox="1">
+            <a:spLocks/>
+          </p:cNvSpPr>
+          <p:nvPr/>
+        </p:nvSpPr>
+        <p:spPr>
+          <a:xfrm>
+            <a:off x="548582" y="1059582"/>
+            <a:ext cx="7772324" cy="3168352"/>
+          </a:xfrm>
+          <a:prstGeom prst="rect">
+            <a:avLst/>
+          </a:prstGeom>
+        </p:spPr>
+        <p:txBody>
+          <a:bodyPr vert="horz" lIns="91440" tIns="45720" rIns="91440" bIns="45720" rtlCol="0">
+            <a:normAutofit/>
+          </a:bodyPr>
+          <a:lstStyle>
+            <a:lvl1pPr marL="342900" indent="-252000" algn="l" defTabSz="914400" rtl="0" eaLnBrk="1" latinLnBrk="0" hangingPunct="1">
+              <a:spcBef>
+                <a:spcPct val="20000"/>
+              </a:spcBef>
+              <a:buFont typeface="Arial" pitchFamily="34" charset="0"/>
+              <a:buChar char="•"/>
+              <a:defRPr sz="2400" b="1" kern="1200">
+                <a:solidFill>
+                  <a:srgbClr val="004280"/>
+                </a:solidFill>
+                <a:latin typeface="Calibri" pitchFamily="34" charset="0"/>
+                <a:ea typeface="微软雅黑" pitchFamily="34" charset="-122"/>
+                <a:cs typeface="+mn-cs"/>
+              </a:defRPr>
+            </a:lvl1pPr>
+            <a:lvl2pPr marL="742950" indent="-252000" algn="l" defTabSz="914400" rtl="0" eaLnBrk="1" latinLnBrk="0" hangingPunct="1">
+              <a:spcBef>
+                <a:spcPct val="20000"/>
+              </a:spcBef>
+              <a:buFont typeface="Arial" pitchFamily="34" charset="0"/>
+              <a:buChar char="–"/>
+              <a:defRPr sz="2000" kern="1200">
+                <a:solidFill>
+                  <a:schemeClr val="tx1">
+                    <a:lumMod val="95000"/>
+                    <a:lumOff val="5000"/>
+                  </a:schemeClr>
+                </a:solidFill>
+                <a:latin typeface="Calibri" pitchFamily="34" charset="0"/>
+                <a:ea typeface="微软雅黑" pitchFamily="34" charset="-122"/>
+                <a:cs typeface="+mn-cs"/>
+              </a:defRPr>
+            </a:lvl2pPr>
+            <a:lvl3pPr marL="1143000" indent="-216000" algn="l" defTabSz="914400" rtl="0" eaLnBrk="1" latinLnBrk="0" hangingPunct="1">
+              <a:spcBef>
+                <a:spcPct val="20000"/>
+              </a:spcBef>
+              <a:buFont typeface="Arial" pitchFamily="34" charset="0"/>
+              <a:buChar char="•"/>
+              <a:defRPr sz="1800" kern="1200">
+                <a:solidFill>
+                  <a:schemeClr val="tx1">
+                    <a:lumMod val="95000"/>
+                    <a:lumOff val="5000"/>
+                  </a:schemeClr>
+                </a:solidFill>
+                <a:latin typeface="Calibri" pitchFamily="34" charset="0"/>
+                <a:ea typeface="微软雅黑" pitchFamily="34" charset="-122"/>
+                <a:cs typeface="+mn-cs"/>
+              </a:defRPr>
+            </a:lvl3pPr>
+            <a:lvl4pPr marL="1600200" indent="-216000" algn="l" defTabSz="914400" rtl="0" eaLnBrk="1" latinLnBrk="0" hangingPunct="1">
+              <a:spcBef>
+                <a:spcPct val="20000"/>
+              </a:spcBef>
+              <a:buFont typeface="Arial" pitchFamily="34" charset="0"/>
+              <a:buChar char="–"/>
+              <a:defRPr sz="1600" kern="1200">
+                <a:solidFill>
+                  <a:schemeClr val="tx1">
+                    <a:lumMod val="95000"/>
+                    <a:lumOff val="5000"/>
+                  </a:schemeClr>
+                </a:solidFill>
+                <a:latin typeface="Calibri" pitchFamily="34" charset="0"/>
+                <a:ea typeface="微软雅黑" pitchFamily="34" charset="-122"/>
+                <a:cs typeface="+mn-cs"/>
+              </a:defRPr>
+            </a:lvl4pPr>
+            <a:lvl5pPr marL="2057400" indent="-180000" algn="l" defTabSz="914400" rtl="0" eaLnBrk="1" latinLnBrk="0" hangingPunct="1">
+              <a:spcBef>
+                <a:spcPct val="20000"/>
+              </a:spcBef>
+              <a:buFont typeface="Arial" pitchFamily="34" charset="0"/>
+              <a:buChar char="»"/>
+              <a:defRPr sz="1600" kern="1200">
+                <a:solidFill>
+                  <a:schemeClr val="tx1">
+                    <a:lumMod val="95000"/>
+                    <a:lumOff val="5000"/>
+                  </a:schemeClr>
+                </a:solidFill>
+                <a:latin typeface="Calibri" pitchFamily="34" charset="0"/>
+                <a:ea typeface="微软雅黑" pitchFamily="34" charset="-122"/>
+                <a:cs typeface="+mn-cs"/>
+              </a:defRPr>
+            </a:lvl5pPr>
+            <a:lvl6pPr marL="2514600" indent="-228600" algn="l" defTabSz="914400" rtl="0" eaLnBrk="1" latinLnBrk="0" hangingPunct="1">
+              <a:spcBef>
+                <a:spcPct val="20000"/>
+              </a:spcBef>
+              <a:buFont typeface="Arial" pitchFamily="34" charset="0"/>
+              <a:buChar char="•"/>
+              <a:defRPr sz="2000" kern="1200">
+                <a:solidFill>
+                  <a:schemeClr val="tx1"/>
+                </a:solidFill>
+                <a:latin typeface="+mn-lt"/>
+                <a:ea typeface="+mn-ea"/>
+                <a:cs typeface="+mn-cs"/>
+              </a:defRPr>
+            </a:lvl6pPr>
+            <a:lvl7pPr marL="2971800" indent="-228600" algn="l" defTabSz="914400" rtl="0" eaLnBrk="1" latinLnBrk="0" hangingPunct="1">
+              <a:spcBef>
+                <a:spcPct val="20000"/>
+              </a:spcBef>
+              <a:buFont typeface="Arial" pitchFamily="34" charset="0"/>
+              <a:buChar char="•"/>
+              <a:defRPr sz="2000" kern="1200">
+                <a:solidFill>
+                  <a:schemeClr val="tx1"/>
+                </a:solidFill>
+                <a:latin typeface="+mn-lt"/>
+                <a:ea typeface="+mn-ea"/>
+                <a:cs typeface="+mn-cs"/>
+              </a:defRPr>
+            </a:lvl7pPr>
+            <a:lvl8pPr marL="3429000" indent="-228600" algn="l" defTabSz="914400" rtl="0" eaLnBrk="1" latinLnBrk="0" hangingPunct="1">
+              <a:spcBef>
+                <a:spcPct val="20000"/>
+              </a:spcBef>
+              <a:buFont typeface="Arial" pitchFamily="34" charset="0"/>
+              <a:buChar char="•"/>
+              <a:defRPr sz="2000" kern="1200">
+                <a:solidFill>
+                  <a:schemeClr val="tx1"/>
+                </a:solidFill>
+                <a:latin typeface="+mn-lt"/>
+                <a:ea typeface="+mn-ea"/>
+                <a:cs typeface="+mn-cs"/>
+              </a:defRPr>
+            </a:lvl8pPr>
+            <a:lvl9pPr marL="3886200" indent="-228600" algn="l" defTabSz="914400" rtl="0" eaLnBrk="1" latinLnBrk="0" hangingPunct="1">
+              <a:spcBef>
+                <a:spcPct val="20000"/>
+              </a:spcBef>
+              <a:buFont typeface="Arial" pitchFamily="34" charset="0"/>
+              <a:buChar char="•"/>
+              <a:defRPr sz="2000" kern="1200">
+                <a:solidFill>
+                  <a:schemeClr val="tx1"/>
+                </a:solidFill>
+                <a:latin typeface="+mn-lt"/>
+                <a:ea typeface="+mn-ea"/>
+                <a:cs typeface="+mn-cs"/>
+              </a:defRPr>
+            </a:lvl9pPr>
+          </a:lstStyle>
+          <a:p>
+            <a:r>
+              <a:rPr lang="en-US" b="0" dirty="0"/>
+              <a:t>@</a:t>
+            </a:r>
+            <a:r>
+              <a:rPr lang="en-US" b="0" dirty="0" err="1" smtClean="0"/>
+              <a:t>EnableZuulProxy</a:t>
+            </a:r>
+            <a:endParaRPr lang="en-US" b="0" dirty="0" smtClean="0"/>
+          </a:p>
+          <a:p>
+            <a:r>
+              <a:rPr lang="en-US" altLang="zh-CN" b="0" dirty="0" err="1"/>
+              <a:t>ZuulFilter</a:t>
+            </a:r>
+            <a:endParaRPr lang="en-US" altLang="zh-CN" b="0" dirty="0" smtClean="0"/>
+          </a:p>
+        </p:txBody>
+      </p:sp>
+    </p:spTree>
+    <p:extLst>
+      <p:ext uri="{BB962C8B-B14F-4D97-AF65-F5344CB8AC3E}">
+        <p14:creationId xmlns:p14="http://schemas.microsoft.com/office/powerpoint/2010/main" val="3474792345"/>
+      </p:ext>
+    </p:extLst>
+  </p:cSld>
+  <p:clrMapOvr>
+    <a:masterClrMapping/>
+  </p:clrMapOvr>
+</p:sld>
+</file>
+
+<file path=ppt/slides/slide11.xml><?xml version="1.0" encoding="utf-8"?>
+<p:sld xmlns:a="http://schemas.openxmlformats.org/drawingml/2006/main" xmlns:r="http://schemas.openxmlformats.org/officeDocument/2006/relationships" xmlns:p="http://schemas.openxmlformats.org/presentationml/2006/main">
+  <p:cSld>
+    <p:spTree>
+      <p:nvGrpSpPr>
+        <p:cNvPr id="1" name=""/>
+        <p:cNvGrpSpPr/>
+        <p:nvPr/>
+      </p:nvGrpSpPr>
+      <p:grpSpPr>
+        <a:xfrm>
+          <a:off x="0" y="0"/>
+          <a:ext cx="0" cy="0"/>
+          <a:chOff x="0" y="0"/>
+          <a:chExt cx="0" cy="0"/>
+        </a:xfrm>
+      </p:grpSpPr>
+      <p:sp>
+        <p:nvSpPr>
+          <p:cNvPr id="4" name="日期占位符 3"/>
+          <p:cNvSpPr>
+            <a:spLocks noGrp="1"/>
+          </p:cNvSpPr>
+          <p:nvPr>
+            <p:ph type="dt" sz="half" idx="10"/>
+          </p:nvPr>
+        </p:nvSpPr>
+        <p:spPr/>
+        <p:txBody>
+          <a:bodyPr/>
+          <a:lstStyle/>
+          <a:p>
+            <a:r>
+              <a:rPr lang="en-US" altLang="zh-CN"/>
+              <a:t>© Pactera. Confidential. All Rights Reserved. </a:t>
+            </a:r>
+            <a:endParaRPr lang="zh-CN" altLang="en-US"/>
+          </a:p>
+        </p:txBody>
+      </p:sp>
+      <p:sp>
+        <p:nvSpPr>
+          <p:cNvPr id="5" name="幻灯片编号占位符 4"/>
+          <p:cNvSpPr>
+            <a:spLocks noGrp="1"/>
+          </p:cNvSpPr>
+          <p:nvPr>
+            <p:ph type="sldNum" sz="quarter" idx="12"/>
+          </p:nvPr>
+        </p:nvSpPr>
+        <p:spPr/>
+        <p:txBody>
+          <a:bodyPr/>
+          <a:lstStyle/>
+          <a:p>
+            <a:fld id="{8810F394-C716-49D3-8450-D4BAA85FC0FF}" type="slidenum">
+              <a:rPr lang="zh-CN" altLang="en-US" smtClean="0"/>
+              <a:pPr/>
+              <a:t>11</a:t>
+            </a:fld>
+            <a:endParaRPr lang="zh-CN" altLang="en-US" dirty="0"/>
+          </a:p>
+        </p:txBody>
+      </p:sp>
+      <p:sp>
+        <p:nvSpPr>
+          <p:cNvPr id="6" name="标题 1"/>
+          <p:cNvSpPr>
+            <a:spLocks noGrp="1"/>
+          </p:cNvSpPr>
+          <p:nvPr>
+            <p:ph type="title"/>
+          </p:nvPr>
+        </p:nvSpPr>
+        <p:spPr>
+          <a:xfrm>
+            <a:off x="548582" y="141480"/>
+            <a:ext cx="8229600" cy="324036"/>
+          </a:xfrm>
+        </p:spPr>
+        <p:txBody>
+          <a:bodyPr vert="horz" lIns="73975" tIns="36987" rIns="73975" bIns="36987" rtlCol="0" anchor="ctr">
+            <a:noAutofit/>
+          </a:bodyPr>
+          <a:lstStyle/>
+          <a:p>
+            <a:pPr lvl="0"/>
+            <a:r>
+              <a:rPr lang="en-US" altLang="zh-CN" sz="2000" b="1" dirty="0" smtClean="0">
+                <a:solidFill>
+                  <a:schemeClr val="accent1"/>
+                </a:solidFill>
+              </a:rPr>
+              <a:t>Spring Cloud – </a:t>
+            </a:r>
+            <a:r>
+              <a:rPr lang="en-US" altLang="zh-CN" sz="2000" b="1" dirty="0" err="1" smtClean="0">
+                <a:solidFill>
+                  <a:schemeClr val="accent1"/>
+                </a:solidFill>
+              </a:rPr>
+              <a:t>zuul</a:t>
+            </a:r>
+            <a:endParaRPr lang="zh-CN" altLang="en-US" sz="2000" b="1" dirty="0">
+              <a:solidFill>
+                <a:schemeClr val="accent1"/>
+              </a:solidFill>
+            </a:endParaRPr>
+          </a:p>
+        </p:txBody>
+      </p:sp>
+      <p:sp>
+        <p:nvSpPr>
+          <p:cNvPr id="60" name="Content Placeholder 3"/>
+          <p:cNvSpPr txBox="1">
+            <a:spLocks/>
+          </p:cNvSpPr>
+          <p:nvPr/>
+        </p:nvSpPr>
+        <p:spPr>
+          <a:xfrm>
+            <a:off x="548582" y="1059582"/>
+            <a:ext cx="7772324" cy="3168352"/>
+          </a:xfrm>
+          <a:prstGeom prst="rect">
+            <a:avLst/>
+          </a:prstGeom>
+        </p:spPr>
+        <p:txBody>
+          <a:bodyPr vert="horz" lIns="91440" tIns="45720" rIns="91440" bIns="45720" rtlCol="0">
+            <a:normAutofit/>
+          </a:bodyPr>
+          <a:lstStyle>
+            <a:lvl1pPr marL="342900" indent="-252000" algn="l" defTabSz="914400" rtl="0" eaLnBrk="1" latinLnBrk="0" hangingPunct="1">
+              <a:spcBef>
+                <a:spcPct val="20000"/>
+              </a:spcBef>
+              <a:buFont typeface="Arial" pitchFamily="34" charset="0"/>
+              <a:buChar char="•"/>
+              <a:defRPr sz="2400" b="1" kern="1200">
+                <a:solidFill>
+                  <a:srgbClr val="004280"/>
+                </a:solidFill>
+                <a:latin typeface="Calibri" pitchFamily="34" charset="0"/>
+                <a:ea typeface="微软雅黑" pitchFamily="34" charset="-122"/>
+                <a:cs typeface="+mn-cs"/>
+              </a:defRPr>
+            </a:lvl1pPr>
+            <a:lvl2pPr marL="742950" indent="-252000" algn="l" defTabSz="914400" rtl="0" eaLnBrk="1" latinLnBrk="0" hangingPunct="1">
+              <a:spcBef>
+                <a:spcPct val="20000"/>
+              </a:spcBef>
+              <a:buFont typeface="Arial" pitchFamily="34" charset="0"/>
+              <a:buChar char="–"/>
+              <a:defRPr sz="2000" kern="1200">
+                <a:solidFill>
+                  <a:schemeClr val="tx1">
+                    <a:lumMod val="95000"/>
+                    <a:lumOff val="5000"/>
+                  </a:schemeClr>
+                </a:solidFill>
+                <a:latin typeface="Calibri" pitchFamily="34" charset="0"/>
+                <a:ea typeface="微软雅黑" pitchFamily="34" charset="-122"/>
+                <a:cs typeface="+mn-cs"/>
+              </a:defRPr>
+            </a:lvl2pPr>
+            <a:lvl3pPr marL="1143000" indent="-216000" algn="l" defTabSz="914400" rtl="0" eaLnBrk="1" latinLnBrk="0" hangingPunct="1">
+              <a:spcBef>
+                <a:spcPct val="20000"/>
+              </a:spcBef>
+              <a:buFont typeface="Arial" pitchFamily="34" charset="0"/>
+              <a:buChar char="•"/>
+              <a:defRPr sz="1800" kern="1200">
+                <a:solidFill>
+                  <a:schemeClr val="tx1">
+                    <a:lumMod val="95000"/>
+                    <a:lumOff val="5000"/>
+                  </a:schemeClr>
+                </a:solidFill>
+                <a:latin typeface="Calibri" pitchFamily="34" charset="0"/>
+                <a:ea typeface="微软雅黑" pitchFamily="34" charset="-122"/>
+                <a:cs typeface="+mn-cs"/>
+              </a:defRPr>
+            </a:lvl3pPr>
+            <a:lvl4pPr marL="1600200" indent="-216000" algn="l" defTabSz="914400" rtl="0" eaLnBrk="1" latinLnBrk="0" hangingPunct="1">
+              <a:spcBef>
+                <a:spcPct val="20000"/>
+              </a:spcBef>
+              <a:buFont typeface="Arial" pitchFamily="34" charset="0"/>
+              <a:buChar char="–"/>
+              <a:defRPr sz="1600" kern="1200">
+                <a:solidFill>
+                  <a:schemeClr val="tx1">
+                    <a:lumMod val="95000"/>
+                    <a:lumOff val="5000"/>
+                  </a:schemeClr>
+                </a:solidFill>
+                <a:latin typeface="Calibri" pitchFamily="34" charset="0"/>
+                <a:ea typeface="微软雅黑" pitchFamily="34" charset="-122"/>
+                <a:cs typeface="+mn-cs"/>
+              </a:defRPr>
+            </a:lvl4pPr>
+            <a:lvl5pPr marL="2057400" indent="-180000" algn="l" defTabSz="914400" rtl="0" eaLnBrk="1" latinLnBrk="0" hangingPunct="1">
+              <a:spcBef>
+                <a:spcPct val="20000"/>
+              </a:spcBef>
+              <a:buFont typeface="Arial" pitchFamily="34" charset="0"/>
+              <a:buChar char="»"/>
+              <a:defRPr sz="1600" kern="1200">
+                <a:solidFill>
+                  <a:schemeClr val="tx1">
+                    <a:lumMod val="95000"/>
+                    <a:lumOff val="5000"/>
+                  </a:schemeClr>
+                </a:solidFill>
+                <a:latin typeface="Calibri" pitchFamily="34" charset="0"/>
+                <a:ea typeface="微软雅黑" pitchFamily="34" charset="-122"/>
+                <a:cs typeface="+mn-cs"/>
+              </a:defRPr>
+            </a:lvl5pPr>
+            <a:lvl6pPr marL="2514600" indent="-228600" algn="l" defTabSz="914400" rtl="0" eaLnBrk="1" latinLnBrk="0" hangingPunct="1">
+              <a:spcBef>
+                <a:spcPct val="20000"/>
+              </a:spcBef>
+              <a:buFont typeface="Arial" pitchFamily="34" charset="0"/>
+              <a:buChar char="•"/>
+              <a:defRPr sz="2000" kern="1200">
+                <a:solidFill>
+                  <a:schemeClr val="tx1"/>
+                </a:solidFill>
+                <a:latin typeface="+mn-lt"/>
+                <a:ea typeface="+mn-ea"/>
+                <a:cs typeface="+mn-cs"/>
+              </a:defRPr>
+            </a:lvl6pPr>
+            <a:lvl7pPr marL="2971800" indent="-228600" algn="l" defTabSz="914400" rtl="0" eaLnBrk="1" latinLnBrk="0" hangingPunct="1">
+              <a:spcBef>
+                <a:spcPct val="20000"/>
+              </a:spcBef>
+              <a:buFont typeface="Arial" pitchFamily="34" charset="0"/>
+              <a:buChar char="•"/>
+              <a:defRPr sz="2000" kern="1200">
+                <a:solidFill>
+                  <a:schemeClr val="tx1"/>
+                </a:solidFill>
+                <a:latin typeface="+mn-lt"/>
+                <a:ea typeface="+mn-ea"/>
+                <a:cs typeface="+mn-cs"/>
+              </a:defRPr>
+            </a:lvl7pPr>
+            <a:lvl8pPr marL="3429000" indent="-228600" algn="l" defTabSz="914400" rtl="0" eaLnBrk="1" latinLnBrk="0" hangingPunct="1">
+              <a:spcBef>
+                <a:spcPct val="20000"/>
+              </a:spcBef>
+              <a:buFont typeface="Arial" pitchFamily="34" charset="0"/>
+              <a:buChar char="•"/>
+              <a:defRPr sz="2000" kern="1200">
+                <a:solidFill>
+                  <a:schemeClr val="tx1"/>
+                </a:solidFill>
+                <a:latin typeface="+mn-lt"/>
+                <a:ea typeface="+mn-ea"/>
+                <a:cs typeface="+mn-cs"/>
+              </a:defRPr>
+            </a:lvl8pPr>
+            <a:lvl9pPr marL="3886200" indent="-228600" algn="l" defTabSz="914400" rtl="0" eaLnBrk="1" latinLnBrk="0" hangingPunct="1">
+              <a:spcBef>
+                <a:spcPct val="20000"/>
+              </a:spcBef>
+              <a:buFont typeface="Arial" pitchFamily="34" charset="0"/>
+              <a:buChar char="•"/>
+              <a:defRPr sz="2000" kern="1200">
+                <a:solidFill>
+                  <a:schemeClr val="tx1"/>
+                </a:solidFill>
+                <a:latin typeface="+mn-lt"/>
+                <a:ea typeface="+mn-ea"/>
+                <a:cs typeface="+mn-cs"/>
+              </a:defRPr>
+            </a:lvl9pPr>
+          </a:lstStyle>
+          <a:p>
+            <a:r>
+              <a:rPr lang="en-US" b="0" dirty="0"/>
+              <a:t>@</a:t>
+            </a:r>
+            <a:r>
+              <a:rPr lang="en-US" b="0" dirty="0" err="1" smtClean="0"/>
+              <a:t>EnableZuulProxy</a:t>
+            </a:r>
+            <a:endParaRPr lang="en-US" b="0" dirty="0" smtClean="0"/>
+          </a:p>
+          <a:p>
+            <a:r>
+              <a:rPr lang="en-US" altLang="zh-CN" b="0" dirty="0" err="1"/>
+              <a:t>ZuulFilter</a:t>
+            </a:r>
+            <a:endParaRPr lang="en-US" altLang="zh-CN" b="0" dirty="0" smtClean="0"/>
+          </a:p>
+        </p:txBody>
+      </p:sp>
+    </p:spTree>
+    <p:extLst>
+      <p:ext uri="{BB962C8B-B14F-4D97-AF65-F5344CB8AC3E}">
+        <p14:creationId xmlns:p14="http://schemas.microsoft.com/office/powerpoint/2010/main" val="3877994332"/>
+      </p:ext>
+    </p:extLst>
+  </p:cSld>
+  <p:clrMapOvr>
+    <a:masterClrMapping/>
+  </p:clrMapOvr>
+</p:sld>
+</file>
+
+<file path=ppt/slides/slide12.xml><?xml version="1.0" encoding="utf-8"?>
+<p:sld xmlns:a="http://schemas.openxmlformats.org/drawingml/2006/main" xmlns:r="http://schemas.openxmlformats.org/officeDocument/2006/relationships" xmlns:p="http://schemas.openxmlformats.org/presentationml/2006/main">
+  <p:cSld>
+    <p:spTree>
+      <p:nvGrpSpPr>
+        <p:cNvPr id="1" name=""/>
+        <p:cNvGrpSpPr/>
+        <p:nvPr/>
+      </p:nvGrpSpPr>
+      <p:grpSpPr>
+        <a:xfrm>
+          <a:off x="0" y="0"/>
+          <a:ext cx="0" cy="0"/>
+          <a:chOff x="0" y="0"/>
+          <a:chExt cx="0" cy="0"/>
+        </a:xfrm>
+      </p:grpSpPr>
+      <p:sp>
+        <p:nvSpPr>
+          <p:cNvPr id="4" name="日期占位符 3"/>
+          <p:cNvSpPr>
+            <a:spLocks noGrp="1"/>
+          </p:cNvSpPr>
+          <p:nvPr>
+            <p:ph type="dt" sz="half" idx="10"/>
+          </p:nvPr>
+        </p:nvSpPr>
+        <p:spPr/>
+        <p:txBody>
+          <a:bodyPr/>
+          <a:lstStyle/>
+          <a:p>
+            <a:r>
+              <a:rPr lang="en-US" altLang="zh-CN"/>
+              <a:t>© Pactera. Confidential. All Rights Reserved. </a:t>
+            </a:r>
+            <a:endParaRPr lang="zh-CN" altLang="en-US"/>
+          </a:p>
+        </p:txBody>
+      </p:sp>
+      <p:sp>
+        <p:nvSpPr>
+          <p:cNvPr id="5" name="幻灯片编号占位符 4"/>
+          <p:cNvSpPr>
+            <a:spLocks noGrp="1"/>
+          </p:cNvSpPr>
+          <p:nvPr>
+            <p:ph type="sldNum" sz="quarter" idx="12"/>
+          </p:nvPr>
+        </p:nvSpPr>
+        <p:spPr/>
+        <p:txBody>
+          <a:bodyPr/>
+          <a:lstStyle/>
+          <a:p>
+            <a:fld id="{8810F394-C716-49D3-8450-D4BAA85FC0FF}" type="slidenum">
+              <a:rPr lang="zh-CN" altLang="en-US" smtClean="0"/>
+              <a:pPr/>
+              <a:t>12</a:t>
+            </a:fld>
+            <a:endParaRPr lang="zh-CN" altLang="en-US" dirty="0"/>
+          </a:p>
+        </p:txBody>
+      </p:sp>
+      <p:sp>
+        <p:nvSpPr>
+          <p:cNvPr id="6" name="标题 1"/>
+          <p:cNvSpPr>
+            <a:spLocks noGrp="1"/>
+          </p:cNvSpPr>
+          <p:nvPr>
+            <p:ph type="title"/>
+          </p:nvPr>
+        </p:nvSpPr>
+        <p:spPr>
+          <a:xfrm>
+            <a:off x="548582" y="141480"/>
+            <a:ext cx="8229600" cy="324036"/>
+          </a:xfrm>
+        </p:spPr>
+        <p:txBody>
+          <a:bodyPr vert="horz" lIns="73975" tIns="36987" rIns="73975" bIns="36987" rtlCol="0" anchor="ctr">
+            <a:noAutofit/>
+          </a:bodyPr>
+          <a:lstStyle/>
+          <a:p>
+            <a:pPr lvl="0"/>
+            <a:r>
+              <a:rPr lang="en-US" altLang="zh-CN" sz="2000" b="1" dirty="0" smtClean="0">
+                <a:solidFill>
+                  <a:schemeClr val="accent1"/>
+                </a:solidFill>
+              </a:rPr>
+              <a:t>Spring Cloud – </a:t>
+            </a:r>
+            <a:r>
+              <a:rPr lang="en-US" altLang="zh-CN" sz="2000" b="1" smtClean="0">
+                <a:solidFill>
+                  <a:schemeClr val="accent1"/>
+                </a:solidFill>
+              </a:rPr>
+              <a:t>config</a:t>
+            </a:r>
+            <a:endParaRPr lang="zh-CN" altLang="en-US" sz="2000" b="1" dirty="0">
+              <a:solidFill>
+                <a:schemeClr val="accent1"/>
+              </a:solidFill>
+            </a:endParaRPr>
+          </a:p>
+        </p:txBody>
+      </p:sp>
+      <p:sp>
+        <p:nvSpPr>
+          <p:cNvPr id="60" name="Content Placeholder 3"/>
+          <p:cNvSpPr txBox="1">
+            <a:spLocks/>
+          </p:cNvSpPr>
+          <p:nvPr/>
+        </p:nvSpPr>
+        <p:spPr>
+          <a:xfrm>
+            <a:off x="548582" y="1059582"/>
+            <a:ext cx="7772324" cy="3168352"/>
+          </a:xfrm>
+          <a:prstGeom prst="rect">
+            <a:avLst/>
+          </a:prstGeom>
+        </p:spPr>
+        <p:txBody>
+          <a:bodyPr vert="horz" lIns="91440" tIns="45720" rIns="91440" bIns="45720" rtlCol="0">
+            <a:normAutofit/>
+          </a:bodyPr>
+          <a:lstStyle>
+            <a:lvl1pPr marL="342900" indent="-252000" algn="l" defTabSz="914400" rtl="0" eaLnBrk="1" latinLnBrk="0" hangingPunct="1">
+              <a:spcBef>
+                <a:spcPct val="20000"/>
+              </a:spcBef>
+              <a:buFont typeface="Arial" pitchFamily="34" charset="0"/>
+              <a:buChar char="•"/>
+              <a:defRPr sz="2400" b="1" kern="1200">
+                <a:solidFill>
+                  <a:srgbClr val="004280"/>
+                </a:solidFill>
+                <a:latin typeface="Calibri" pitchFamily="34" charset="0"/>
+                <a:ea typeface="微软雅黑" pitchFamily="34" charset="-122"/>
+                <a:cs typeface="+mn-cs"/>
+              </a:defRPr>
+            </a:lvl1pPr>
+            <a:lvl2pPr marL="742950" indent="-252000" algn="l" defTabSz="914400" rtl="0" eaLnBrk="1" latinLnBrk="0" hangingPunct="1">
+              <a:spcBef>
+                <a:spcPct val="20000"/>
+              </a:spcBef>
+              <a:buFont typeface="Arial" pitchFamily="34" charset="0"/>
+              <a:buChar char="–"/>
+              <a:defRPr sz="2000" kern="1200">
+                <a:solidFill>
+                  <a:schemeClr val="tx1">
+                    <a:lumMod val="95000"/>
+                    <a:lumOff val="5000"/>
+                  </a:schemeClr>
+                </a:solidFill>
+                <a:latin typeface="Calibri" pitchFamily="34" charset="0"/>
+                <a:ea typeface="微软雅黑" pitchFamily="34" charset="-122"/>
+                <a:cs typeface="+mn-cs"/>
+              </a:defRPr>
+            </a:lvl2pPr>
+            <a:lvl3pPr marL="1143000" indent="-216000" algn="l" defTabSz="914400" rtl="0" eaLnBrk="1" latinLnBrk="0" hangingPunct="1">
+              <a:spcBef>
+                <a:spcPct val="20000"/>
+              </a:spcBef>
+              <a:buFont typeface="Arial" pitchFamily="34" charset="0"/>
+              <a:buChar char="•"/>
+              <a:defRPr sz="1800" kern="1200">
+                <a:solidFill>
+                  <a:schemeClr val="tx1">
+                    <a:lumMod val="95000"/>
+                    <a:lumOff val="5000"/>
+                  </a:schemeClr>
+                </a:solidFill>
+                <a:latin typeface="Calibri" pitchFamily="34" charset="0"/>
+                <a:ea typeface="微软雅黑" pitchFamily="34" charset="-122"/>
+                <a:cs typeface="+mn-cs"/>
+              </a:defRPr>
+            </a:lvl3pPr>
+            <a:lvl4pPr marL="1600200" indent="-216000" algn="l" defTabSz="914400" rtl="0" eaLnBrk="1" latinLnBrk="0" hangingPunct="1">
+              <a:spcBef>
+                <a:spcPct val="20000"/>
+              </a:spcBef>
+              <a:buFont typeface="Arial" pitchFamily="34" charset="0"/>
+              <a:buChar char="–"/>
+              <a:defRPr sz="1600" kern="1200">
+                <a:solidFill>
+                  <a:schemeClr val="tx1">
+                    <a:lumMod val="95000"/>
+                    <a:lumOff val="5000"/>
+                  </a:schemeClr>
+                </a:solidFill>
+                <a:latin typeface="Calibri" pitchFamily="34" charset="0"/>
+                <a:ea typeface="微软雅黑" pitchFamily="34" charset="-122"/>
+                <a:cs typeface="+mn-cs"/>
+              </a:defRPr>
+            </a:lvl4pPr>
+            <a:lvl5pPr marL="2057400" indent="-180000" algn="l" defTabSz="914400" rtl="0" eaLnBrk="1" latinLnBrk="0" hangingPunct="1">
+              <a:spcBef>
+                <a:spcPct val="20000"/>
+              </a:spcBef>
+              <a:buFont typeface="Arial" pitchFamily="34" charset="0"/>
+              <a:buChar char="»"/>
+              <a:defRPr sz="1600" kern="1200">
+                <a:solidFill>
+                  <a:schemeClr val="tx1">
+                    <a:lumMod val="95000"/>
+                    <a:lumOff val="5000"/>
+                  </a:schemeClr>
+                </a:solidFill>
+                <a:latin typeface="Calibri" pitchFamily="34" charset="0"/>
+                <a:ea typeface="微软雅黑" pitchFamily="34" charset="-122"/>
+                <a:cs typeface="+mn-cs"/>
+              </a:defRPr>
+            </a:lvl5pPr>
+            <a:lvl6pPr marL="2514600" indent="-228600" algn="l" defTabSz="914400" rtl="0" eaLnBrk="1" latinLnBrk="0" hangingPunct="1">
+              <a:spcBef>
+                <a:spcPct val="20000"/>
+              </a:spcBef>
+              <a:buFont typeface="Arial" pitchFamily="34" charset="0"/>
+              <a:buChar char="•"/>
+              <a:defRPr sz="2000" kern="1200">
+                <a:solidFill>
+                  <a:schemeClr val="tx1"/>
+                </a:solidFill>
+                <a:latin typeface="+mn-lt"/>
+                <a:ea typeface="+mn-ea"/>
+                <a:cs typeface="+mn-cs"/>
+              </a:defRPr>
+            </a:lvl6pPr>
+            <a:lvl7pPr marL="2971800" indent="-228600" algn="l" defTabSz="914400" rtl="0" eaLnBrk="1" latinLnBrk="0" hangingPunct="1">
+              <a:spcBef>
+                <a:spcPct val="20000"/>
+              </a:spcBef>
+              <a:buFont typeface="Arial" pitchFamily="34" charset="0"/>
+              <a:buChar char="•"/>
+              <a:defRPr sz="2000" kern="1200">
+                <a:solidFill>
+                  <a:schemeClr val="tx1"/>
+                </a:solidFill>
+                <a:latin typeface="+mn-lt"/>
+                <a:ea typeface="+mn-ea"/>
+                <a:cs typeface="+mn-cs"/>
+              </a:defRPr>
+            </a:lvl7pPr>
+            <a:lvl8pPr marL="3429000" indent="-228600" algn="l" defTabSz="914400" rtl="0" eaLnBrk="1" latinLnBrk="0" hangingPunct="1">
+              <a:spcBef>
+                <a:spcPct val="20000"/>
+              </a:spcBef>
+              <a:buFont typeface="Arial" pitchFamily="34" charset="0"/>
+              <a:buChar char="•"/>
+              <a:defRPr sz="2000" kern="1200">
+                <a:solidFill>
+                  <a:schemeClr val="tx1"/>
+                </a:solidFill>
+                <a:latin typeface="+mn-lt"/>
+                <a:ea typeface="+mn-ea"/>
+                <a:cs typeface="+mn-cs"/>
+              </a:defRPr>
+            </a:lvl8pPr>
+            <a:lvl9pPr marL="3886200" indent="-228600" algn="l" defTabSz="914400" rtl="0" eaLnBrk="1" latinLnBrk="0" hangingPunct="1">
+              <a:spcBef>
+                <a:spcPct val="20000"/>
+              </a:spcBef>
+              <a:buFont typeface="Arial" pitchFamily="34" charset="0"/>
+              <a:buChar char="•"/>
+              <a:defRPr sz="2000" kern="1200">
+                <a:solidFill>
+                  <a:schemeClr val="tx1"/>
+                </a:solidFill>
+                <a:latin typeface="+mn-lt"/>
+                <a:ea typeface="+mn-ea"/>
+                <a:cs typeface="+mn-cs"/>
+              </a:defRPr>
+            </a:lvl9pPr>
+          </a:lstStyle>
+          <a:p>
+            <a:r>
+              <a:rPr lang="en-US" b="0" dirty="0"/>
+              <a:t>@</a:t>
+            </a:r>
+            <a:r>
+              <a:rPr lang="en-US" b="0" dirty="0" err="1" smtClean="0"/>
+              <a:t>EnableZuulProxy</a:t>
+            </a:r>
+            <a:endParaRPr lang="en-US" b="0" dirty="0" smtClean="0"/>
+          </a:p>
+          <a:p>
+            <a:r>
+              <a:rPr lang="en-US" altLang="zh-CN" b="0" dirty="0" err="1"/>
+              <a:t>ZuulFilter</a:t>
+            </a:r>
+            <a:endParaRPr lang="en-US" altLang="zh-CN" b="0" dirty="0" smtClean="0"/>
+          </a:p>
+        </p:txBody>
+      </p:sp>
+    </p:spTree>
+    <p:extLst>
+      <p:ext uri="{BB962C8B-B14F-4D97-AF65-F5344CB8AC3E}">
+        <p14:creationId xmlns:p14="http://schemas.microsoft.com/office/powerpoint/2010/main" val="658251145"/>
+      </p:ext>
+    </p:extLst>
+  </p:cSld>
+  <p:clrMapOvr>
+    <a:masterClrMapping/>
+  </p:clrMapOvr>
+</p:sld>
+</file>
+
+<file path=ppt/slides/slide13.xml><?xml version="1.0" encoding="utf-8"?>
+<p:sld xmlns:a="http://schemas.openxmlformats.org/drawingml/2006/main" xmlns:r="http://schemas.openxmlformats.org/officeDocument/2006/relationships" xmlns:p="http://schemas.openxmlformats.org/presentationml/2006/main">
+  <p:cSld>
+    <p:spTree>
+      <p:nvGrpSpPr>
+        <p:cNvPr id="1" name=""/>
+        <p:cNvGrpSpPr/>
+        <p:nvPr/>
+      </p:nvGrpSpPr>
+      <p:grpSpPr>
+        <a:xfrm>
+          <a:off x="0" y="0"/>
+          <a:ext cx="0" cy="0"/>
+          <a:chOff x="0" y="0"/>
+          <a:chExt cx="0" cy="0"/>
+        </a:xfrm>
+      </p:grpSpPr>
+      <p:sp>
+        <p:nvSpPr>
+          <p:cNvPr id="12" name="标题 11"/>
+          <p:cNvSpPr>
+            <a:spLocks noGrp="1"/>
+          </p:cNvSpPr>
+          <p:nvPr>
+            <p:ph type="title"/>
+          </p:nvPr>
+        </p:nvSpPr>
+        <p:spPr/>
+        <p:txBody>
+          <a:bodyPr/>
+          <a:lstStyle/>
+          <a:p>
+            <a:r>
+              <a:rPr lang="en-US" altLang="zh-CN" dirty="0">
+                <a:latin typeface="GE Inspira Pitch" panose="020F0603030400020203" pitchFamily="34" charset="0"/>
+              </a:rPr>
+              <a:t>Thanks!</a:t>
+            </a:r>
+            <a:endParaRPr lang="zh-CN" altLang="en-US" dirty="0">
+              <a:latin typeface="GE Inspira Pitch" panose="020F0603030400020203" pitchFamily="34" charset="0"/>
+            </a:endParaRPr>
+          </a:p>
+        </p:txBody>
+      </p:sp>
+      <p:sp>
+        <p:nvSpPr>
+          <p:cNvPr id="13" name="灯片编号占位符 12"/>
+          <p:cNvSpPr>
+            <a:spLocks noGrp="1"/>
+          </p:cNvSpPr>
+          <p:nvPr>
+            <p:ph type="sldNum" sz="quarter" idx="12"/>
+          </p:nvPr>
+        </p:nvSpPr>
+        <p:spPr/>
+        <p:txBody>
+          <a:bodyPr/>
+          <a:lstStyle/>
+          <a:p>
+            <a:fld id="{8810F394-C716-49D3-8450-D4BAA85FC0FF}" type="slidenum">
+              <a:rPr lang="zh-CN" altLang="en-US" smtClean="0"/>
+              <a:pPr/>
+              <a:t>13</a:t>
+            </a:fld>
+            <a:endParaRPr lang="zh-CN" altLang="en-US"/>
+          </a:p>
+        </p:txBody>
+      </p:sp>
+      <p:sp>
+        <p:nvSpPr>
+          <p:cNvPr id="14" name="日期占位符 13"/>
+          <p:cNvSpPr>
+            <a:spLocks noGrp="1"/>
+          </p:cNvSpPr>
+          <p:nvPr>
+            <p:ph type="dt" sz="half" idx="10"/>
+          </p:nvPr>
+        </p:nvSpPr>
+        <p:spPr/>
+        <p:txBody>
+          <a:bodyPr/>
+          <a:lstStyle/>
+          <a:p>
+            <a:r>
+              <a:rPr lang="en-US" altLang="zh-CN"/>
+              <a:t>© Pactera. Confidential. All Rights Reserved. </a:t>
+            </a:r>
+            <a:endParaRPr lang="zh-CN" altLang="en-US"/>
+          </a:p>
+        </p:txBody>
+      </p:sp>
+    </p:spTree>
+  </p:cSld>
+  <p:clrMapOvr>
+    <a:masterClrMapping/>
+  </p:clrMapOvr>
+  <p:transition spd="slow">
+    <p:split orient="vert"/>
+  </p:transition>
+</p:sld>
+</file>
+
 <file path=ppt/slides/slide2.xml><?xml version="1.0" encoding="utf-8"?>
 <p:sld xmlns:a="http://schemas.openxmlformats.org/drawingml/2006/main" xmlns:r="http://schemas.openxmlformats.org/officeDocument/2006/relationships" xmlns:p="http://schemas.openxmlformats.org/presentationml/2006/main">
   <p:cSld>
@@ -6176,12 +7224,12 @@
       </p:grpSpPr>
       <p:sp>
         <p:nvSpPr>
-          <p:cNvPr id="12" name="标题 11"/>
-          <p:cNvSpPr>
-            <a:spLocks noGrp="1"/>
-          </p:cNvSpPr>
-          <p:nvPr>
-            <p:ph type="title"/>
+          <p:cNvPr id="4" name="日期占位符 3"/>
+          <p:cNvSpPr>
+            <a:spLocks noGrp="1"/>
+          </p:cNvSpPr>
+          <p:nvPr>
+            <p:ph type="dt" sz="half" idx="10"/>
           </p:nvPr>
         </p:nvSpPr>
         <p:spPr/>
@@ -6190,20 +7238,16 @@
           <a:lstStyle/>
           <a:p>
             <a:r>
-              <a:rPr lang="en-US" altLang="zh-CN" dirty="0">
-                <a:latin typeface="GE Inspira Pitch" panose="020F0603030400020203" pitchFamily="34" charset="0"/>
-              </a:rPr>
-              <a:t>Thanks!</a:t>
-            </a:r>
-            <a:endParaRPr lang="zh-CN" altLang="en-US" dirty="0">
-              <a:latin typeface="GE Inspira Pitch" panose="020F0603030400020203" pitchFamily="34" charset="0"/>
-            </a:endParaRPr>
-          </a:p>
-        </p:txBody>
-      </p:sp>
-      <p:sp>
-        <p:nvSpPr>
-          <p:cNvPr id="13" name="灯片编号占位符 12"/>
+              <a:rPr lang="en-US" altLang="zh-CN"/>
+              <a:t>© Pactera. Confidential. All Rights Reserved. </a:t>
+            </a:r>
+            <a:endParaRPr lang="zh-CN" altLang="en-US"/>
+          </a:p>
+        </p:txBody>
+      </p:sp>
+      <p:sp>
+        <p:nvSpPr>
+          <p:cNvPr id="5" name="幻灯片编号占位符 4"/>
           <p:cNvSpPr>
             <a:spLocks noGrp="1"/>
           </p:cNvSpPr>
@@ -6221,41 +7265,314 @@
               <a:pPr/>
               <a:t>9</a:t>
             </a:fld>
-            <a:endParaRPr lang="zh-CN" altLang="en-US"/>
-          </a:p>
-        </p:txBody>
-      </p:sp>
-      <p:sp>
-        <p:nvSpPr>
-          <p:cNvPr id="14" name="日期占位符 13"/>
-          <p:cNvSpPr>
-            <a:spLocks noGrp="1"/>
-          </p:cNvSpPr>
-          <p:nvPr>
-            <p:ph type="dt" sz="half" idx="10"/>
-          </p:nvPr>
-        </p:nvSpPr>
-        <p:spPr/>
-        <p:txBody>
-          <a:bodyPr/>
+            <a:endParaRPr lang="zh-CN" altLang="en-US" dirty="0"/>
+          </a:p>
+        </p:txBody>
+      </p:sp>
+      <p:sp>
+        <p:nvSpPr>
+          <p:cNvPr id="6" name="标题 1"/>
+          <p:cNvSpPr>
+            <a:spLocks noGrp="1"/>
+          </p:cNvSpPr>
+          <p:nvPr>
+            <p:ph type="title"/>
+          </p:nvPr>
+        </p:nvSpPr>
+        <p:spPr>
+          <a:xfrm>
+            <a:off x="548582" y="141480"/>
+            <a:ext cx="8229600" cy="324036"/>
+          </a:xfrm>
+        </p:spPr>
+        <p:txBody>
+          <a:bodyPr vert="horz" lIns="73975" tIns="36987" rIns="73975" bIns="36987" rtlCol="0" anchor="ctr">
+            <a:noAutofit/>
+          </a:bodyPr>
           <a:lstStyle/>
           <a:p>
-            <a:r>
-              <a:rPr lang="en-US" altLang="zh-CN"/>
-              <a:t>© Pactera. Confidential. All Rights Reserved. </a:t>
-            </a:r>
-            <a:endParaRPr lang="zh-CN" altLang="en-US"/>
+            <a:pPr lvl="0"/>
+            <a:r>
+              <a:rPr lang="en-US" altLang="zh-CN" sz="2000" b="1" dirty="0" smtClean="0">
+                <a:solidFill>
+                  <a:schemeClr val="accent1"/>
+                </a:solidFill>
+              </a:rPr>
+              <a:t>Spring Cloud – </a:t>
+            </a:r>
+            <a:r>
+              <a:rPr lang="en-US" altLang="zh-CN" sz="2000" b="1" dirty="0" err="1" smtClean="0">
+                <a:solidFill>
+                  <a:schemeClr val="accent1"/>
+                </a:solidFill>
+              </a:rPr>
+              <a:t>Hystrix</a:t>
+            </a:r>
+            <a:endParaRPr lang="zh-CN" altLang="en-US" sz="2000" b="1" dirty="0">
+              <a:solidFill>
+                <a:schemeClr val="accent1"/>
+              </a:solidFill>
+            </a:endParaRPr>
+          </a:p>
+        </p:txBody>
+      </p:sp>
+      <p:sp>
+        <p:nvSpPr>
+          <p:cNvPr id="60" name="Content Placeholder 3"/>
+          <p:cNvSpPr txBox="1">
+            <a:spLocks/>
+          </p:cNvSpPr>
+          <p:nvPr/>
+        </p:nvSpPr>
+        <p:spPr>
+          <a:xfrm>
+            <a:off x="548582" y="1059582"/>
+            <a:ext cx="7772324" cy="3168352"/>
+          </a:xfrm>
+          <a:prstGeom prst="rect">
+            <a:avLst/>
+          </a:prstGeom>
+        </p:spPr>
+        <p:txBody>
+          <a:bodyPr vert="horz" lIns="91440" tIns="45720" rIns="91440" bIns="45720" rtlCol="0">
+            <a:normAutofit/>
+          </a:bodyPr>
+          <a:lstStyle>
+            <a:lvl1pPr marL="342900" indent="-252000" algn="l" defTabSz="914400" rtl="0" eaLnBrk="1" latinLnBrk="0" hangingPunct="1">
+              <a:spcBef>
+                <a:spcPct val="20000"/>
+              </a:spcBef>
+              <a:buFont typeface="Arial" pitchFamily="34" charset="0"/>
+              <a:buChar char="•"/>
+              <a:defRPr sz="2400" b="1" kern="1200">
+                <a:solidFill>
+                  <a:srgbClr val="004280"/>
+                </a:solidFill>
+                <a:latin typeface="Calibri" pitchFamily="34" charset="0"/>
+                <a:ea typeface="微软雅黑" pitchFamily="34" charset="-122"/>
+                <a:cs typeface="+mn-cs"/>
+              </a:defRPr>
+            </a:lvl1pPr>
+            <a:lvl2pPr marL="742950" indent="-252000" algn="l" defTabSz="914400" rtl="0" eaLnBrk="1" latinLnBrk="0" hangingPunct="1">
+              <a:spcBef>
+                <a:spcPct val="20000"/>
+              </a:spcBef>
+              <a:buFont typeface="Arial" pitchFamily="34" charset="0"/>
+              <a:buChar char="–"/>
+              <a:defRPr sz="2000" kern="1200">
+                <a:solidFill>
+                  <a:schemeClr val="tx1">
+                    <a:lumMod val="95000"/>
+                    <a:lumOff val="5000"/>
+                  </a:schemeClr>
+                </a:solidFill>
+                <a:latin typeface="Calibri" pitchFamily="34" charset="0"/>
+                <a:ea typeface="微软雅黑" pitchFamily="34" charset="-122"/>
+                <a:cs typeface="+mn-cs"/>
+              </a:defRPr>
+            </a:lvl2pPr>
+            <a:lvl3pPr marL="1143000" indent="-216000" algn="l" defTabSz="914400" rtl="0" eaLnBrk="1" latinLnBrk="0" hangingPunct="1">
+              <a:spcBef>
+                <a:spcPct val="20000"/>
+              </a:spcBef>
+              <a:buFont typeface="Arial" pitchFamily="34" charset="0"/>
+              <a:buChar char="•"/>
+              <a:defRPr sz="1800" kern="1200">
+                <a:solidFill>
+                  <a:schemeClr val="tx1">
+                    <a:lumMod val="95000"/>
+                    <a:lumOff val="5000"/>
+                  </a:schemeClr>
+                </a:solidFill>
+                <a:latin typeface="Calibri" pitchFamily="34" charset="0"/>
+                <a:ea typeface="微软雅黑" pitchFamily="34" charset="-122"/>
+                <a:cs typeface="+mn-cs"/>
+              </a:defRPr>
+            </a:lvl3pPr>
+            <a:lvl4pPr marL="1600200" indent="-216000" algn="l" defTabSz="914400" rtl="0" eaLnBrk="1" latinLnBrk="0" hangingPunct="1">
+              <a:spcBef>
+                <a:spcPct val="20000"/>
+              </a:spcBef>
+              <a:buFont typeface="Arial" pitchFamily="34" charset="0"/>
+              <a:buChar char="–"/>
+              <a:defRPr sz="1600" kern="1200">
+                <a:solidFill>
+                  <a:schemeClr val="tx1">
+                    <a:lumMod val="95000"/>
+                    <a:lumOff val="5000"/>
+                  </a:schemeClr>
+                </a:solidFill>
+                <a:latin typeface="Calibri" pitchFamily="34" charset="0"/>
+                <a:ea typeface="微软雅黑" pitchFamily="34" charset="-122"/>
+                <a:cs typeface="+mn-cs"/>
+              </a:defRPr>
+            </a:lvl4pPr>
+            <a:lvl5pPr marL="2057400" indent="-180000" algn="l" defTabSz="914400" rtl="0" eaLnBrk="1" latinLnBrk="0" hangingPunct="1">
+              <a:spcBef>
+                <a:spcPct val="20000"/>
+              </a:spcBef>
+              <a:buFont typeface="Arial" pitchFamily="34" charset="0"/>
+              <a:buChar char="»"/>
+              <a:defRPr sz="1600" kern="1200">
+                <a:solidFill>
+                  <a:schemeClr val="tx1">
+                    <a:lumMod val="95000"/>
+                    <a:lumOff val="5000"/>
+                  </a:schemeClr>
+                </a:solidFill>
+                <a:latin typeface="Calibri" pitchFamily="34" charset="0"/>
+                <a:ea typeface="微软雅黑" pitchFamily="34" charset="-122"/>
+                <a:cs typeface="+mn-cs"/>
+              </a:defRPr>
+            </a:lvl5pPr>
+            <a:lvl6pPr marL="2514600" indent="-228600" algn="l" defTabSz="914400" rtl="0" eaLnBrk="1" latinLnBrk="0" hangingPunct="1">
+              <a:spcBef>
+                <a:spcPct val="20000"/>
+              </a:spcBef>
+              <a:buFont typeface="Arial" pitchFamily="34" charset="0"/>
+              <a:buChar char="•"/>
+              <a:defRPr sz="2000" kern="1200">
+                <a:solidFill>
+                  <a:schemeClr val="tx1"/>
+                </a:solidFill>
+                <a:latin typeface="+mn-lt"/>
+                <a:ea typeface="+mn-ea"/>
+                <a:cs typeface="+mn-cs"/>
+              </a:defRPr>
+            </a:lvl6pPr>
+            <a:lvl7pPr marL="2971800" indent="-228600" algn="l" defTabSz="914400" rtl="0" eaLnBrk="1" latinLnBrk="0" hangingPunct="1">
+              <a:spcBef>
+                <a:spcPct val="20000"/>
+              </a:spcBef>
+              <a:buFont typeface="Arial" pitchFamily="34" charset="0"/>
+              <a:buChar char="•"/>
+              <a:defRPr sz="2000" kern="1200">
+                <a:solidFill>
+                  <a:schemeClr val="tx1"/>
+                </a:solidFill>
+                <a:latin typeface="+mn-lt"/>
+                <a:ea typeface="+mn-ea"/>
+                <a:cs typeface="+mn-cs"/>
+              </a:defRPr>
+            </a:lvl7pPr>
+            <a:lvl8pPr marL="3429000" indent="-228600" algn="l" defTabSz="914400" rtl="0" eaLnBrk="1" latinLnBrk="0" hangingPunct="1">
+              <a:spcBef>
+                <a:spcPct val="20000"/>
+              </a:spcBef>
+              <a:buFont typeface="Arial" pitchFamily="34" charset="0"/>
+              <a:buChar char="•"/>
+              <a:defRPr sz="2000" kern="1200">
+                <a:solidFill>
+                  <a:schemeClr val="tx1"/>
+                </a:solidFill>
+                <a:latin typeface="+mn-lt"/>
+                <a:ea typeface="+mn-ea"/>
+                <a:cs typeface="+mn-cs"/>
+              </a:defRPr>
+            </a:lvl8pPr>
+            <a:lvl9pPr marL="3886200" indent="-228600" algn="l" defTabSz="914400" rtl="0" eaLnBrk="1" latinLnBrk="0" hangingPunct="1">
+              <a:spcBef>
+                <a:spcPct val="20000"/>
+              </a:spcBef>
+              <a:buFont typeface="Arial" pitchFamily="34" charset="0"/>
+              <a:buChar char="•"/>
+              <a:defRPr sz="2000" kern="1200">
+                <a:solidFill>
+                  <a:schemeClr val="tx1"/>
+                </a:solidFill>
+                <a:latin typeface="+mn-lt"/>
+                <a:ea typeface="+mn-ea"/>
+                <a:cs typeface="+mn-cs"/>
+              </a:defRPr>
+            </a:lvl9pPr>
+          </a:lstStyle>
+          <a:p>
+            <a:r>
+              <a:rPr lang="en-US" b="0" dirty="0" smtClean="0"/>
+              <a:t>Feign</a:t>
+            </a:r>
+            <a:r>
+              <a:rPr lang="zh-CN" altLang="en-US" b="0" dirty="0" smtClean="0"/>
+              <a:t>含有</a:t>
+            </a:r>
+            <a:r>
+              <a:rPr lang="en-US" altLang="zh-CN" b="0" dirty="0" err="1" smtClean="0"/>
+              <a:t>Hytrix</a:t>
+            </a:r>
+            <a:r>
+              <a:rPr lang="zh-CN" altLang="en-US" b="0" dirty="0" smtClean="0"/>
+              <a:t>框架</a:t>
+            </a:r>
+            <a:endParaRPr lang="en-US" altLang="zh-CN" b="0" dirty="0" smtClean="0"/>
+          </a:p>
+          <a:p>
+            <a:r>
+              <a:rPr lang="en-US" altLang="zh-CN" b="0" dirty="0" err="1" smtClean="0"/>
+              <a:t>feign.hystrix.enabled</a:t>
+            </a:r>
+            <a:r>
+              <a:rPr lang="en-US" altLang="zh-CN" b="0" dirty="0" smtClean="0"/>
+              <a:t>=true</a:t>
+            </a:r>
+            <a:endParaRPr lang="en-US" b="0" dirty="0"/>
+          </a:p>
+          <a:p>
+            <a:r>
+              <a:rPr lang="en-US" b="0" dirty="0" smtClean="0"/>
+              <a:t>@</a:t>
+            </a:r>
+            <a:r>
+              <a:rPr lang="en-US" b="0" dirty="0" err="1"/>
+              <a:t>FeignClient</a:t>
+            </a:r>
+            <a:r>
+              <a:rPr lang="en-US" b="0" dirty="0"/>
+              <a:t>(value = </a:t>
+            </a:r>
+            <a:r>
+              <a:rPr lang="en-US" b="0" dirty="0" smtClean="0"/>
+              <a:t>“SERVICE-NAME</a:t>
+            </a:r>
+            <a:r>
+              <a:rPr lang="en-US" b="0" dirty="0" smtClean="0"/>
+              <a:t>")</a:t>
+            </a:r>
+          </a:p>
+          <a:p>
+            <a:r>
+              <a:rPr lang="en-US" altLang="zh-CN" b="0" dirty="0"/>
+              <a:t>fallback </a:t>
+            </a:r>
+            <a:r>
+              <a:rPr lang="en-US" altLang="zh-CN" b="0" dirty="0" smtClean="0"/>
+              <a:t>=</a:t>
+            </a:r>
+            <a:r>
+              <a:rPr lang="zh-CN" altLang="en-US" b="0" dirty="0" smtClean="0"/>
+              <a:t>实现类</a:t>
+            </a:r>
+            <a:r>
+              <a:rPr lang="en-US" altLang="zh-CN" b="0" dirty="0" smtClean="0"/>
+              <a:t>.</a:t>
+            </a:r>
+            <a:r>
+              <a:rPr lang="en-US" altLang="zh-CN" b="0" dirty="0"/>
+              <a:t>class</a:t>
+            </a:r>
+            <a:endParaRPr lang="en-US" altLang="zh-CN" b="0" dirty="0" smtClean="0"/>
           </a:p>
         </p:txBody>
       </p:sp>
     </p:spTree>
+    <p:extLst>
+      <p:ext uri="{BB962C8B-B14F-4D97-AF65-F5344CB8AC3E}">
+        <p14:creationId xmlns:p14="http://schemas.microsoft.com/office/powerpoint/2010/main" val="3733895141"/>
+      </p:ext>
+    </p:extLst>
   </p:cSld>
   <p:clrMapOvr>
     <a:masterClrMapping/>
   </p:clrMapOvr>
-  <p:transition spd="slow">
-    <p:split orient="vert"/>
-  </p:transition>
 </p:sld>
 </file>
 

--- a/spring cloud.pptx
+++ b/spring cloud.pptx
@@ -5,10 +5,10 @@
     <p:sldMasterId id="2147483648" r:id="rId1"/>
   </p:sldMasterIdLst>
   <p:notesMasterIdLst>
-    <p:notesMasterId r:id="rId15"/>
+    <p:notesMasterId r:id="rId16"/>
   </p:notesMasterIdLst>
   <p:handoutMasterIdLst>
-    <p:handoutMasterId r:id="rId16"/>
+    <p:handoutMasterId r:id="rId17"/>
   </p:handoutMasterIdLst>
   <p:sldIdLst>
     <p:sldId id="361" r:id="rId2"/>
@@ -23,7 +23,8 @@
     <p:sldId id="427" r:id="rId11"/>
     <p:sldId id="428" r:id="rId12"/>
     <p:sldId id="429" r:id="rId13"/>
-    <p:sldId id="337" r:id="rId14"/>
+    <p:sldId id="430" r:id="rId14"/>
+    <p:sldId id="337" r:id="rId15"/>
   </p:sldIdLst>
   <p:sldSz cx="9144000" cy="5143500" type="screen16x9"/>
   <p:notesSz cx="6858000" cy="9144000"/>
@@ -4517,12 +4518,20 @@
               <a:t>Spring Cloud – </a:t>
             </a:r>
             <a:r>
-              <a:rPr lang="en-US" altLang="zh-CN" sz="2000" b="1" smtClean="0">
+              <a:rPr lang="en-US" altLang="zh-CN" sz="2000" b="1" dirty="0" err="1" smtClean="0">
                 <a:solidFill>
                   <a:schemeClr val="accent1"/>
                 </a:solidFill>
               </a:rPr>
               <a:t>config</a:t>
+            </a:r>
+            <a:r>
+              <a:rPr lang="en-US" altLang="zh-CN" sz="2000" b="1" dirty="0" smtClean="0">
+                <a:solidFill>
+                  <a:schemeClr val="accent1"/>
+                </a:solidFill>
+              </a:rPr>
+              <a:t>-server</a:t>
             </a:r>
             <a:endParaRPr lang="zh-CN" altLang="en-US" sz="2000" b="1" dirty="0">
               <a:solidFill>
@@ -4709,15 +4718,51 @@
             </a:r>
             <a:r>
               <a:rPr lang="en-US" b="0" dirty="0" err="1" smtClean="0"/>
-              <a:t>EnableZuulProxy</a:t>
+              <a:t>EnableConfigServer</a:t>
             </a:r>
             <a:endParaRPr lang="en-US" b="0" dirty="0" smtClean="0"/>
           </a:p>
           <a:p>
             <a:r>
-              <a:rPr lang="en-US" altLang="zh-CN" b="0" dirty="0" err="1"/>
-              <a:t>ZuulFilter</a:t>
-            </a:r>
+              <a:rPr lang="en-US" b="0" dirty="0"/>
+              <a:t>/{application}/{profile}[/{label}]</a:t>
+            </a:r>
+          </a:p>
+          <a:p>
+            <a:r>
+              <a:rPr lang="en-US" b="0" dirty="0"/>
+              <a:t>/{application}-{profile}.</a:t>
+            </a:r>
+            <a:r>
+              <a:rPr lang="en-US" b="0" dirty="0" err="1"/>
+              <a:t>yml</a:t>
+            </a:r>
+            <a:endParaRPr lang="en-US" b="0" dirty="0"/>
+          </a:p>
+          <a:p>
+            <a:r>
+              <a:rPr lang="en-US" b="0" dirty="0"/>
+              <a:t>/{label}/{application}-{profile}.</a:t>
+            </a:r>
+            <a:r>
+              <a:rPr lang="en-US" b="0" dirty="0" err="1"/>
+              <a:t>yml</a:t>
+            </a:r>
+            <a:endParaRPr lang="en-US" b="0" dirty="0"/>
+          </a:p>
+          <a:p>
+            <a:r>
+              <a:rPr lang="en-US" b="0" dirty="0"/>
+              <a:t>/{application}-{profile}.properties</a:t>
+            </a:r>
+          </a:p>
+          <a:p>
+            <a:r>
+              <a:rPr lang="en-US" b="0" dirty="0"/>
+              <a:t>/{label}/{application}-{profile}.properties</a:t>
+            </a:r>
+          </a:p>
+          <a:p>
             <a:endParaRPr lang="en-US" altLang="zh-CN" b="0" dirty="0" smtClean="0"/>
           </a:p>
         </p:txBody>
@@ -4754,6 +4799,336 @@
       </p:grpSpPr>
       <p:sp>
         <p:nvSpPr>
+          <p:cNvPr id="4" name="日期占位符 3"/>
+          <p:cNvSpPr>
+            <a:spLocks noGrp="1"/>
+          </p:cNvSpPr>
+          <p:nvPr>
+            <p:ph type="dt" sz="half" idx="10"/>
+          </p:nvPr>
+        </p:nvSpPr>
+        <p:spPr/>
+        <p:txBody>
+          <a:bodyPr/>
+          <a:lstStyle/>
+          <a:p>
+            <a:r>
+              <a:rPr lang="en-US" altLang="zh-CN"/>
+              <a:t>© Pactera. Confidential. All Rights Reserved. </a:t>
+            </a:r>
+            <a:endParaRPr lang="zh-CN" altLang="en-US"/>
+          </a:p>
+        </p:txBody>
+      </p:sp>
+      <p:sp>
+        <p:nvSpPr>
+          <p:cNvPr id="5" name="幻灯片编号占位符 4"/>
+          <p:cNvSpPr>
+            <a:spLocks noGrp="1"/>
+          </p:cNvSpPr>
+          <p:nvPr>
+            <p:ph type="sldNum" sz="quarter" idx="12"/>
+          </p:nvPr>
+        </p:nvSpPr>
+        <p:spPr/>
+        <p:txBody>
+          <a:bodyPr/>
+          <a:lstStyle/>
+          <a:p>
+            <a:fld id="{8810F394-C716-49D3-8450-D4BAA85FC0FF}" type="slidenum">
+              <a:rPr lang="zh-CN" altLang="en-US" smtClean="0"/>
+              <a:pPr/>
+              <a:t>13</a:t>
+            </a:fld>
+            <a:endParaRPr lang="zh-CN" altLang="en-US" dirty="0"/>
+          </a:p>
+        </p:txBody>
+      </p:sp>
+      <p:sp>
+        <p:nvSpPr>
+          <p:cNvPr id="6" name="标题 1"/>
+          <p:cNvSpPr>
+            <a:spLocks noGrp="1"/>
+          </p:cNvSpPr>
+          <p:nvPr>
+            <p:ph type="title"/>
+          </p:nvPr>
+        </p:nvSpPr>
+        <p:spPr>
+          <a:xfrm>
+            <a:off x="548582" y="141480"/>
+            <a:ext cx="8229600" cy="324036"/>
+          </a:xfrm>
+        </p:spPr>
+        <p:txBody>
+          <a:bodyPr vert="horz" lIns="73975" tIns="36987" rIns="73975" bIns="36987" rtlCol="0" anchor="ctr">
+            <a:noAutofit/>
+          </a:bodyPr>
+          <a:lstStyle/>
+          <a:p>
+            <a:pPr lvl="0"/>
+            <a:r>
+              <a:rPr lang="en-US" altLang="zh-CN" sz="2000" b="1" dirty="0" smtClean="0">
+                <a:solidFill>
+                  <a:schemeClr val="accent1"/>
+                </a:solidFill>
+              </a:rPr>
+              <a:t>Spring Cloud – </a:t>
+            </a:r>
+            <a:r>
+              <a:rPr lang="en-US" altLang="zh-CN" sz="2000" b="1" dirty="0" err="1" smtClean="0">
+                <a:solidFill>
+                  <a:schemeClr val="accent1"/>
+                </a:solidFill>
+              </a:rPr>
+              <a:t>config</a:t>
+            </a:r>
+            <a:r>
+              <a:rPr lang="en-US" altLang="zh-CN" sz="2000" b="1" dirty="0" smtClean="0">
+                <a:solidFill>
+                  <a:schemeClr val="accent1"/>
+                </a:solidFill>
+              </a:rPr>
+              <a:t>-client</a:t>
+            </a:r>
+            <a:endParaRPr lang="zh-CN" altLang="en-US" sz="2000" b="1" dirty="0">
+              <a:solidFill>
+                <a:schemeClr val="accent1"/>
+              </a:solidFill>
+            </a:endParaRPr>
+          </a:p>
+        </p:txBody>
+      </p:sp>
+      <p:sp>
+        <p:nvSpPr>
+          <p:cNvPr id="60" name="Content Placeholder 3"/>
+          <p:cNvSpPr txBox="1">
+            <a:spLocks/>
+          </p:cNvSpPr>
+          <p:nvPr/>
+        </p:nvSpPr>
+        <p:spPr>
+          <a:xfrm>
+            <a:off x="548582" y="1059582"/>
+            <a:ext cx="7772324" cy="3168352"/>
+          </a:xfrm>
+          <a:prstGeom prst="rect">
+            <a:avLst/>
+          </a:prstGeom>
+        </p:spPr>
+        <p:txBody>
+          <a:bodyPr vert="horz" lIns="91440" tIns="45720" rIns="91440" bIns="45720" rtlCol="0">
+            <a:normAutofit/>
+          </a:bodyPr>
+          <a:lstStyle>
+            <a:lvl1pPr marL="342900" indent="-252000" algn="l" defTabSz="914400" rtl="0" eaLnBrk="1" latinLnBrk="0" hangingPunct="1">
+              <a:spcBef>
+                <a:spcPct val="20000"/>
+              </a:spcBef>
+              <a:buFont typeface="Arial" pitchFamily="34" charset="0"/>
+              <a:buChar char="•"/>
+              <a:defRPr sz="2400" b="1" kern="1200">
+                <a:solidFill>
+                  <a:srgbClr val="004280"/>
+                </a:solidFill>
+                <a:latin typeface="Calibri" pitchFamily="34" charset="0"/>
+                <a:ea typeface="微软雅黑" pitchFamily="34" charset="-122"/>
+                <a:cs typeface="+mn-cs"/>
+              </a:defRPr>
+            </a:lvl1pPr>
+            <a:lvl2pPr marL="742950" indent="-252000" algn="l" defTabSz="914400" rtl="0" eaLnBrk="1" latinLnBrk="0" hangingPunct="1">
+              <a:spcBef>
+                <a:spcPct val="20000"/>
+              </a:spcBef>
+              <a:buFont typeface="Arial" pitchFamily="34" charset="0"/>
+              <a:buChar char="–"/>
+              <a:defRPr sz="2000" kern="1200">
+                <a:solidFill>
+                  <a:schemeClr val="tx1">
+                    <a:lumMod val="95000"/>
+                    <a:lumOff val="5000"/>
+                  </a:schemeClr>
+                </a:solidFill>
+                <a:latin typeface="Calibri" pitchFamily="34" charset="0"/>
+                <a:ea typeface="微软雅黑" pitchFamily="34" charset="-122"/>
+                <a:cs typeface="+mn-cs"/>
+              </a:defRPr>
+            </a:lvl2pPr>
+            <a:lvl3pPr marL="1143000" indent="-216000" algn="l" defTabSz="914400" rtl="0" eaLnBrk="1" latinLnBrk="0" hangingPunct="1">
+              <a:spcBef>
+                <a:spcPct val="20000"/>
+              </a:spcBef>
+              <a:buFont typeface="Arial" pitchFamily="34" charset="0"/>
+              <a:buChar char="•"/>
+              <a:defRPr sz="1800" kern="1200">
+                <a:solidFill>
+                  <a:schemeClr val="tx1">
+                    <a:lumMod val="95000"/>
+                    <a:lumOff val="5000"/>
+                  </a:schemeClr>
+                </a:solidFill>
+                <a:latin typeface="Calibri" pitchFamily="34" charset="0"/>
+                <a:ea typeface="微软雅黑" pitchFamily="34" charset="-122"/>
+                <a:cs typeface="+mn-cs"/>
+              </a:defRPr>
+            </a:lvl3pPr>
+            <a:lvl4pPr marL="1600200" indent="-216000" algn="l" defTabSz="914400" rtl="0" eaLnBrk="1" latinLnBrk="0" hangingPunct="1">
+              <a:spcBef>
+                <a:spcPct val="20000"/>
+              </a:spcBef>
+              <a:buFont typeface="Arial" pitchFamily="34" charset="0"/>
+              <a:buChar char="–"/>
+              <a:defRPr sz="1600" kern="1200">
+                <a:solidFill>
+                  <a:schemeClr val="tx1">
+                    <a:lumMod val="95000"/>
+                    <a:lumOff val="5000"/>
+                  </a:schemeClr>
+                </a:solidFill>
+                <a:latin typeface="Calibri" pitchFamily="34" charset="0"/>
+                <a:ea typeface="微软雅黑" pitchFamily="34" charset="-122"/>
+                <a:cs typeface="+mn-cs"/>
+              </a:defRPr>
+            </a:lvl4pPr>
+            <a:lvl5pPr marL="2057400" indent="-180000" algn="l" defTabSz="914400" rtl="0" eaLnBrk="1" latinLnBrk="0" hangingPunct="1">
+              <a:spcBef>
+                <a:spcPct val="20000"/>
+              </a:spcBef>
+              <a:buFont typeface="Arial" pitchFamily="34" charset="0"/>
+              <a:buChar char="»"/>
+              <a:defRPr sz="1600" kern="1200">
+                <a:solidFill>
+                  <a:schemeClr val="tx1">
+                    <a:lumMod val="95000"/>
+                    <a:lumOff val="5000"/>
+                  </a:schemeClr>
+                </a:solidFill>
+                <a:latin typeface="Calibri" pitchFamily="34" charset="0"/>
+                <a:ea typeface="微软雅黑" pitchFamily="34" charset="-122"/>
+                <a:cs typeface="+mn-cs"/>
+              </a:defRPr>
+            </a:lvl5pPr>
+            <a:lvl6pPr marL="2514600" indent="-228600" algn="l" defTabSz="914400" rtl="0" eaLnBrk="1" latinLnBrk="0" hangingPunct="1">
+              <a:spcBef>
+                <a:spcPct val="20000"/>
+              </a:spcBef>
+              <a:buFont typeface="Arial" pitchFamily="34" charset="0"/>
+              <a:buChar char="•"/>
+              <a:defRPr sz="2000" kern="1200">
+                <a:solidFill>
+                  <a:schemeClr val="tx1"/>
+                </a:solidFill>
+                <a:latin typeface="+mn-lt"/>
+                <a:ea typeface="+mn-ea"/>
+                <a:cs typeface="+mn-cs"/>
+              </a:defRPr>
+            </a:lvl6pPr>
+            <a:lvl7pPr marL="2971800" indent="-228600" algn="l" defTabSz="914400" rtl="0" eaLnBrk="1" latinLnBrk="0" hangingPunct="1">
+              <a:spcBef>
+                <a:spcPct val="20000"/>
+              </a:spcBef>
+              <a:buFont typeface="Arial" pitchFamily="34" charset="0"/>
+              <a:buChar char="•"/>
+              <a:defRPr sz="2000" kern="1200">
+                <a:solidFill>
+                  <a:schemeClr val="tx1"/>
+                </a:solidFill>
+                <a:latin typeface="+mn-lt"/>
+                <a:ea typeface="+mn-ea"/>
+                <a:cs typeface="+mn-cs"/>
+              </a:defRPr>
+            </a:lvl7pPr>
+            <a:lvl8pPr marL="3429000" indent="-228600" algn="l" defTabSz="914400" rtl="0" eaLnBrk="1" latinLnBrk="0" hangingPunct="1">
+              <a:spcBef>
+                <a:spcPct val="20000"/>
+              </a:spcBef>
+              <a:buFont typeface="Arial" pitchFamily="34" charset="0"/>
+              <a:buChar char="•"/>
+              <a:defRPr sz="2000" kern="1200">
+                <a:solidFill>
+                  <a:schemeClr val="tx1"/>
+                </a:solidFill>
+                <a:latin typeface="+mn-lt"/>
+                <a:ea typeface="+mn-ea"/>
+                <a:cs typeface="+mn-cs"/>
+              </a:defRPr>
+            </a:lvl8pPr>
+            <a:lvl9pPr marL="3886200" indent="-228600" algn="l" defTabSz="914400" rtl="0" eaLnBrk="1" latinLnBrk="0" hangingPunct="1">
+              <a:spcBef>
+                <a:spcPct val="20000"/>
+              </a:spcBef>
+              <a:buFont typeface="Arial" pitchFamily="34" charset="0"/>
+              <a:buChar char="•"/>
+              <a:defRPr sz="2000" kern="1200">
+                <a:solidFill>
+                  <a:schemeClr val="tx1"/>
+                </a:solidFill>
+                <a:latin typeface="+mn-lt"/>
+                <a:ea typeface="+mn-ea"/>
+                <a:cs typeface="+mn-cs"/>
+              </a:defRPr>
+            </a:lvl9pPr>
+          </a:lstStyle>
+          <a:p>
+            <a:r>
+              <a:rPr lang="en-US" b="0" dirty="0" err="1" smtClean="0"/>
+              <a:t>bootstrap.properties</a:t>
+            </a:r>
+            <a:endParaRPr lang="en-US" b="0" dirty="0" smtClean="0"/>
+          </a:p>
+          <a:p>
+            <a:r>
+              <a:rPr lang="en-US" altLang="zh-CN" b="0" dirty="0" smtClean="0"/>
+              <a:t>Application name</a:t>
+            </a:r>
+            <a:r>
+              <a:rPr lang="zh-CN" altLang="en-US" b="0" dirty="0" smtClean="0"/>
+              <a:t>要等同于</a:t>
+            </a:r>
+            <a:r>
+              <a:rPr lang="en-US" altLang="zh-CN" b="0" dirty="0" err="1" smtClean="0"/>
+              <a:t>git</a:t>
+            </a:r>
+            <a:r>
+              <a:rPr lang="zh-CN" altLang="en-US" b="0" smtClean="0"/>
+              <a:t>仓中的文件名</a:t>
+            </a:r>
+            <a:endParaRPr lang="en-US" altLang="zh-CN" b="0" dirty="0" smtClean="0"/>
+          </a:p>
+        </p:txBody>
+      </p:sp>
+    </p:spTree>
+    <p:extLst>
+      <p:ext uri="{BB962C8B-B14F-4D97-AF65-F5344CB8AC3E}">
+        <p14:creationId xmlns:p14="http://schemas.microsoft.com/office/powerpoint/2010/main" val="2878416598"/>
+      </p:ext>
+    </p:extLst>
+  </p:cSld>
+  <p:clrMapOvr>
+    <a:masterClrMapping/>
+  </p:clrMapOvr>
+</p:sld>
+</file>
+
+<file path=ppt/slides/slide14.xml><?xml version="1.0" encoding="utf-8"?>
+<p:sld xmlns:a="http://schemas.openxmlformats.org/drawingml/2006/main" xmlns:r="http://schemas.openxmlformats.org/officeDocument/2006/relationships" xmlns:p="http://schemas.openxmlformats.org/presentationml/2006/main">
+  <p:cSld>
+    <p:spTree>
+      <p:nvGrpSpPr>
+        <p:cNvPr id="1" name=""/>
+        <p:cNvGrpSpPr/>
+        <p:nvPr/>
+      </p:nvGrpSpPr>
+      <p:grpSpPr>
+        <a:xfrm>
+          <a:off x="0" y="0"/>
+          <a:ext cx="0" cy="0"/>
+          <a:chOff x="0" y="0"/>
+          <a:chExt cx="0" cy="0"/>
+        </a:xfrm>
+      </p:grpSpPr>
+      <p:sp>
+        <p:nvSpPr>
           <p:cNvPr id="12" name="标题 11"/>
           <p:cNvSpPr>
             <a:spLocks noGrp="1"/>
@@ -4797,7 +5172,7 @@
             <a:fld id="{8810F394-C716-49D3-8450-D4BAA85FC0FF}" type="slidenum">
               <a:rPr lang="zh-CN" altLang="en-US" smtClean="0"/>
               <a:pPr/>
-              <a:t>13</a:t>
+              <a:t>14</a:t>
             </a:fld>
             <a:endParaRPr lang="zh-CN" altLang="en-US"/>
           </a:p>

--- a/spring cloud.pptx
+++ b/spring cloud.pptx
@@ -5,10 +5,10 @@
     <p:sldMasterId id="2147483648" r:id="rId1"/>
   </p:sldMasterIdLst>
   <p:notesMasterIdLst>
-    <p:notesMasterId r:id="rId16"/>
+    <p:notesMasterId r:id="rId17"/>
   </p:notesMasterIdLst>
   <p:handoutMasterIdLst>
-    <p:handoutMasterId r:id="rId17"/>
+    <p:handoutMasterId r:id="rId18"/>
   </p:handoutMasterIdLst>
   <p:sldIdLst>
     <p:sldId id="361" r:id="rId2"/>
@@ -24,7 +24,8 @@
     <p:sldId id="428" r:id="rId12"/>
     <p:sldId id="429" r:id="rId13"/>
     <p:sldId id="430" r:id="rId14"/>
-    <p:sldId id="337" r:id="rId15"/>
+    <p:sldId id="431" r:id="rId15"/>
+    <p:sldId id="337" r:id="rId16"/>
   </p:sldIdLst>
   <p:sldSz cx="9144000" cy="5143500" type="screen16x9"/>
   <p:notesSz cx="6858000" cy="9144000"/>
@@ -5090,7 +5091,7 @@
               <a:t>git</a:t>
             </a:r>
             <a:r>
-              <a:rPr lang="zh-CN" altLang="en-US" b="0" smtClean="0"/>
+              <a:rPr lang="zh-CN" altLang="en-US" b="0" dirty="0" smtClean="0"/>
               <a:t>仓中的文件名</a:t>
             </a:r>
             <a:endParaRPr lang="en-US" altLang="zh-CN" b="0" dirty="0" smtClean="0"/>
@@ -5129,6 +5130,329 @@
       </p:grpSpPr>
       <p:sp>
         <p:nvSpPr>
+          <p:cNvPr id="4" name="日期占位符 3"/>
+          <p:cNvSpPr>
+            <a:spLocks noGrp="1"/>
+          </p:cNvSpPr>
+          <p:nvPr>
+            <p:ph type="dt" sz="half" idx="10"/>
+          </p:nvPr>
+        </p:nvSpPr>
+        <p:spPr/>
+        <p:txBody>
+          <a:bodyPr/>
+          <a:lstStyle/>
+          <a:p>
+            <a:r>
+              <a:rPr lang="en-US" altLang="zh-CN"/>
+              <a:t>© Pactera. Confidential. All Rights Reserved. </a:t>
+            </a:r>
+            <a:endParaRPr lang="zh-CN" altLang="en-US"/>
+          </a:p>
+        </p:txBody>
+      </p:sp>
+      <p:sp>
+        <p:nvSpPr>
+          <p:cNvPr id="5" name="幻灯片编号占位符 4"/>
+          <p:cNvSpPr>
+            <a:spLocks noGrp="1"/>
+          </p:cNvSpPr>
+          <p:nvPr>
+            <p:ph type="sldNum" sz="quarter" idx="12"/>
+          </p:nvPr>
+        </p:nvSpPr>
+        <p:spPr/>
+        <p:txBody>
+          <a:bodyPr/>
+          <a:lstStyle/>
+          <a:p>
+            <a:fld id="{8810F394-C716-49D3-8450-D4BAA85FC0FF}" type="slidenum">
+              <a:rPr lang="zh-CN" altLang="en-US" smtClean="0"/>
+              <a:pPr/>
+              <a:t>14</a:t>
+            </a:fld>
+            <a:endParaRPr lang="zh-CN" altLang="en-US" dirty="0"/>
+          </a:p>
+        </p:txBody>
+      </p:sp>
+      <p:sp>
+        <p:nvSpPr>
+          <p:cNvPr id="6" name="标题 1"/>
+          <p:cNvSpPr>
+            <a:spLocks noGrp="1"/>
+          </p:cNvSpPr>
+          <p:nvPr>
+            <p:ph type="title"/>
+          </p:nvPr>
+        </p:nvSpPr>
+        <p:spPr>
+          <a:xfrm>
+            <a:off x="548582" y="141480"/>
+            <a:ext cx="8229600" cy="324036"/>
+          </a:xfrm>
+        </p:spPr>
+        <p:txBody>
+          <a:bodyPr vert="horz" lIns="73975" tIns="36987" rIns="73975" bIns="36987" rtlCol="0" anchor="ctr">
+            <a:noAutofit/>
+          </a:bodyPr>
+          <a:lstStyle/>
+          <a:p>
+            <a:pPr lvl="0"/>
+            <a:r>
+              <a:rPr lang="en-US" altLang="zh-CN" sz="2000" b="1" dirty="0" smtClean="0">
+                <a:solidFill>
+                  <a:schemeClr val="accent1"/>
+                </a:solidFill>
+              </a:rPr>
+              <a:t>Spring Cloud </a:t>
+            </a:r>
+            <a:r>
+              <a:rPr lang="en-US" altLang="zh-CN" sz="2000" b="1" dirty="0" smtClean="0">
+                <a:solidFill>
+                  <a:schemeClr val="accent1"/>
+                </a:solidFill>
+              </a:rPr>
+              <a:t>–</a:t>
+            </a:r>
+            <a:r>
+              <a:rPr lang="en-US" altLang="zh-CN" sz="2000" b="1" dirty="0">
+                <a:solidFill>
+                  <a:schemeClr val="accent1"/>
+                </a:solidFill>
+              </a:rPr>
+              <a:t> </a:t>
+            </a:r>
+            <a:r>
+              <a:rPr lang="en-US" altLang="zh-CN" sz="2000" b="1" dirty="0" smtClean="0">
+                <a:solidFill>
+                  <a:schemeClr val="accent1"/>
+                </a:solidFill>
+              </a:rPr>
+              <a:t>cloud bus</a:t>
+            </a:r>
+            <a:endParaRPr lang="zh-CN" altLang="en-US" sz="2000" b="1" dirty="0">
+              <a:solidFill>
+                <a:schemeClr val="accent1"/>
+              </a:solidFill>
+            </a:endParaRPr>
+          </a:p>
+        </p:txBody>
+      </p:sp>
+      <p:sp>
+        <p:nvSpPr>
+          <p:cNvPr id="60" name="Content Placeholder 3"/>
+          <p:cNvSpPr txBox="1">
+            <a:spLocks/>
+          </p:cNvSpPr>
+          <p:nvPr/>
+        </p:nvSpPr>
+        <p:spPr>
+          <a:xfrm>
+            <a:off x="548582" y="1059582"/>
+            <a:ext cx="7772324" cy="3168352"/>
+          </a:xfrm>
+          <a:prstGeom prst="rect">
+            <a:avLst/>
+          </a:prstGeom>
+        </p:spPr>
+        <p:txBody>
+          <a:bodyPr vert="horz" lIns="91440" tIns="45720" rIns="91440" bIns="45720" rtlCol="0">
+            <a:normAutofit/>
+          </a:bodyPr>
+          <a:lstStyle>
+            <a:lvl1pPr marL="342900" indent="-252000" algn="l" defTabSz="914400" rtl="0" eaLnBrk="1" latinLnBrk="0" hangingPunct="1">
+              <a:spcBef>
+                <a:spcPct val="20000"/>
+              </a:spcBef>
+              <a:buFont typeface="Arial" pitchFamily="34" charset="0"/>
+              <a:buChar char="•"/>
+              <a:defRPr sz="2400" b="1" kern="1200">
+                <a:solidFill>
+                  <a:srgbClr val="004280"/>
+                </a:solidFill>
+                <a:latin typeface="Calibri" pitchFamily="34" charset="0"/>
+                <a:ea typeface="微软雅黑" pitchFamily="34" charset="-122"/>
+                <a:cs typeface="+mn-cs"/>
+              </a:defRPr>
+            </a:lvl1pPr>
+            <a:lvl2pPr marL="742950" indent="-252000" algn="l" defTabSz="914400" rtl="0" eaLnBrk="1" latinLnBrk="0" hangingPunct="1">
+              <a:spcBef>
+                <a:spcPct val="20000"/>
+              </a:spcBef>
+              <a:buFont typeface="Arial" pitchFamily="34" charset="0"/>
+              <a:buChar char="–"/>
+              <a:defRPr sz="2000" kern="1200">
+                <a:solidFill>
+                  <a:schemeClr val="tx1">
+                    <a:lumMod val="95000"/>
+                    <a:lumOff val="5000"/>
+                  </a:schemeClr>
+                </a:solidFill>
+                <a:latin typeface="Calibri" pitchFamily="34" charset="0"/>
+                <a:ea typeface="微软雅黑" pitchFamily="34" charset="-122"/>
+                <a:cs typeface="+mn-cs"/>
+              </a:defRPr>
+            </a:lvl2pPr>
+            <a:lvl3pPr marL="1143000" indent="-216000" algn="l" defTabSz="914400" rtl="0" eaLnBrk="1" latinLnBrk="0" hangingPunct="1">
+              <a:spcBef>
+                <a:spcPct val="20000"/>
+              </a:spcBef>
+              <a:buFont typeface="Arial" pitchFamily="34" charset="0"/>
+              <a:buChar char="•"/>
+              <a:defRPr sz="1800" kern="1200">
+                <a:solidFill>
+                  <a:schemeClr val="tx1">
+                    <a:lumMod val="95000"/>
+                    <a:lumOff val="5000"/>
+                  </a:schemeClr>
+                </a:solidFill>
+                <a:latin typeface="Calibri" pitchFamily="34" charset="0"/>
+                <a:ea typeface="微软雅黑" pitchFamily="34" charset="-122"/>
+                <a:cs typeface="+mn-cs"/>
+              </a:defRPr>
+            </a:lvl3pPr>
+            <a:lvl4pPr marL="1600200" indent="-216000" algn="l" defTabSz="914400" rtl="0" eaLnBrk="1" latinLnBrk="0" hangingPunct="1">
+              <a:spcBef>
+                <a:spcPct val="20000"/>
+              </a:spcBef>
+              <a:buFont typeface="Arial" pitchFamily="34" charset="0"/>
+              <a:buChar char="–"/>
+              <a:defRPr sz="1600" kern="1200">
+                <a:solidFill>
+                  <a:schemeClr val="tx1">
+                    <a:lumMod val="95000"/>
+                    <a:lumOff val="5000"/>
+                  </a:schemeClr>
+                </a:solidFill>
+                <a:latin typeface="Calibri" pitchFamily="34" charset="0"/>
+                <a:ea typeface="微软雅黑" pitchFamily="34" charset="-122"/>
+                <a:cs typeface="+mn-cs"/>
+              </a:defRPr>
+            </a:lvl4pPr>
+            <a:lvl5pPr marL="2057400" indent="-180000" algn="l" defTabSz="914400" rtl="0" eaLnBrk="1" latinLnBrk="0" hangingPunct="1">
+              <a:spcBef>
+                <a:spcPct val="20000"/>
+              </a:spcBef>
+              <a:buFont typeface="Arial" pitchFamily="34" charset="0"/>
+              <a:buChar char="»"/>
+              <a:defRPr sz="1600" kern="1200">
+                <a:solidFill>
+                  <a:schemeClr val="tx1">
+                    <a:lumMod val="95000"/>
+                    <a:lumOff val="5000"/>
+                  </a:schemeClr>
+                </a:solidFill>
+                <a:latin typeface="Calibri" pitchFamily="34" charset="0"/>
+                <a:ea typeface="微软雅黑" pitchFamily="34" charset="-122"/>
+                <a:cs typeface="+mn-cs"/>
+              </a:defRPr>
+            </a:lvl5pPr>
+            <a:lvl6pPr marL="2514600" indent="-228600" algn="l" defTabSz="914400" rtl="0" eaLnBrk="1" latinLnBrk="0" hangingPunct="1">
+              <a:spcBef>
+                <a:spcPct val="20000"/>
+              </a:spcBef>
+              <a:buFont typeface="Arial" pitchFamily="34" charset="0"/>
+              <a:buChar char="•"/>
+              <a:defRPr sz="2000" kern="1200">
+                <a:solidFill>
+                  <a:schemeClr val="tx1"/>
+                </a:solidFill>
+                <a:latin typeface="+mn-lt"/>
+                <a:ea typeface="+mn-ea"/>
+                <a:cs typeface="+mn-cs"/>
+              </a:defRPr>
+            </a:lvl6pPr>
+            <a:lvl7pPr marL="2971800" indent="-228600" algn="l" defTabSz="914400" rtl="0" eaLnBrk="1" latinLnBrk="0" hangingPunct="1">
+              <a:spcBef>
+                <a:spcPct val="20000"/>
+              </a:spcBef>
+              <a:buFont typeface="Arial" pitchFamily="34" charset="0"/>
+              <a:buChar char="•"/>
+              <a:defRPr sz="2000" kern="1200">
+                <a:solidFill>
+                  <a:schemeClr val="tx1"/>
+                </a:solidFill>
+                <a:latin typeface="+mn-lt"/>
+                <a:ea typeface="+mn-ea"/>
+                <a:cs typeface="+mn-cs"/>
+              </a:defRPr>
+            </a:lvl7pPr>
+            <a:lvl8pPr marL="3429000" indent="-228600" algn="l" defTabSz="914400" rtl="0" eaLnBrk="1" latinLnBrk="0" hangingPunct="1">
+              <a:spcBef>
+                <a:spcPct val="20000"/>
+              </a:spcBef>
+              <a:buFont typeface="Arial" pitchFamily="34" charset="0"/>
+              <a:buChar char="•"/>
+              <a:defRPr sz="2000" kern="1200">
+                <a:solidFill>
+                  <a:schemeClr val="tx1"/>
+                </a:solidFill>
+                <a:latin typeface="+mn-lt"/>
+                <a:ea typeface="+mn-ea"/>
+                <a:cs typeface="+mn-cs"/>
+              </a:defRPr>
+            </a:lvl8pPr>
+            <a:lvl9pPr marL="3886200" indent="-228600" algn="l" defTabSz="914400" rtl="0" eaLnBrk="1" latinLnBrk="0" hangingPunct="1">
+              <a:spcBef>
+                <a:spcPct val="20000"/>
+              </a:spcBef>
+              <a:buFont typeface="Arial" pitchFamily="34" charset="0"/>
+              <a:buChar char="•"/>
+              <a:defRPr sz="2000" kern="1200">
+                <a:solidFill>
+                  <a:schemeClr val="tx1"/>
+                </a:solidFill>
+                <a:latin typeface="+mn-lt"/>
+                <a:ea typeface="+mn-ea"/>
+                <a:cs typeface="+mn-cs"/>
+              </a:defRPr>
+            </a:lvl9pPr>
+          </a:lstStyle>
+          <a:p>
+            <a:r>
+              <a:rPr lang="en-US" b="0" dirty="0"/>
+              <a:t>@</a:t>
+            </a:r>
+            <a:r>
+              <a:rPr lang="en-US" b="0" dirty="0" err="1"/>
+              <a:t>RefreshScope</a:t>
+            </a:r>
+            <a:endParaRPr lang="en-US" altLang="zh-CN" b="0" dirty="0" smtClean="0"/>
+          </a:p>
+        </p:txBody>
+      </p:sp>
+    </p:spTree>
+    <p:extLst>
+      <p:ext uri="{BB962C8B-B14F-4D97-AF65-F5344CB8AC3E}">
+        <p14:creationId xmlns:p14="http://schemas.microsoft.com/office/powerpoint/2010/main" val="2842215828"/>
+      </p:ext>
+    </p:extLst>
+  </p:cSld>
+  <p:clrMapOvr>
+    <a:masterClrMapping/>
+  </p:clrMapOvr>
+</p:sld>
+</file>
+
+<file path=ppt/slides/slide15.xml><?xml version="1.0" encoding="utf-8"?>
+<p:sld xmlns:a="http://schemas.openxmlformats.org/drawingml/2006/main" xmlns:r="http://schemas.openxmlformats.org/officeDocument/2006/relationships" xmlns:p="http://schemas.openxmlformats.org/presentationml/2006/main">
+  <p:cSld>
+    <p:spTree>
+      <p:nvGrpSpPr>
+        <p:cNvPr id="1" name=""/>
+        <p:cNvGrpSpPr/>
+        <p:nvPr/>
+      </p:nvGrpSpPr>
+      <p:grpSpPr>
+        <a:xfrm>
+          <a:off x="0" y="0"/>
+          <a:ext cx="0" cy="0"/>
+          <a:chOff x="0" y="0"/>
+          <a:chExt cx="0" cy="0"/>
+        </a:xfrm>
+      </p:grpSpPr>
+      <p:sp>
+        <p:nvSpPr>
           <p:cNvPr id="12" name="标题 11"/>
           <p:cNvSpPr>
             <a:spLocks noGrp="1"/>
@@ -5172,7 +5496,7 @@
             <a:fld id="{8810F394-C716-49D3-8450-D4BAA85FC0FF}" type="slidenum">
               <a:rPr lang="zh-CN" altLang="en-US" smtClean="0"/>
               <a:pPr/>
-              <a:t>14</a:t>
+              <a:t>15</a:t>
             </a:fld>
             <a:endParaRPr lang="zh-CN" altLang="en-US"/>
           </a:p>
